--- a/Präsentation.pptx
+++ b/Präsentation.pptx
@@ -6,7 +6,7 @@
     <p:sldMasterId id="2147483660" r:id="rId2"/>
   </p:sldMasterIdLst>
   <p:notesMasterIdLst>
-    <p:notesMasterId r:id="rId51"/>
+    <p:notesMasterId r:id="rId49"/>
   </p:notesMasterIdLst>
   <p:sldIdLst>
     <p:sldId id="256" r:id="rId3"/>
@@ -52,11 +52,9 @@
     <p:sldId id="354" r:id="rId43"/>
     <p:sldId id="356" r:id="rId44"/>
     <p:sldId id="357" r:id="rId45"/>
-    <p:sldId id="322" r:id="rId46"/>
+    <p:sldId id="375" r:id="rId46"/>
     <p:sldId id="323" r:id="rId47"/>
-    <p:sldId id="257" r:id="rId48"/>
-    <p:sldId id="300" r:id="rId49"/>
-    <p:sldId id="321" r:id="rId50"/>
+    <p:sldId id="321" r:id="rId48"/>
   </p:sldIdLst>
   <p:sldSz cx="9144000" cy="6858000" type="screen4x3"/>
   <p:notesSz cx="6858000" cy="9144000"/>
@@ -3358,6 +3356,14 @@
           <a:bodyPr/>
           <a:lstStyle/>
           <a:p>
+            <a:r>
+              <a:rPr lang="de-DE" dirty="0" smtClean="0"/>
+              <a:t>Hier fehlt </a:t>
+            </a:r>
+            <a:r>
+              <a:rPr lang="de-DE" smtClean="0"/>
+              <a:t>ein Zitat</a:t>
+            </a:r>
             <a:endParaRPr lang="de-DE" dirty="0"/>
           </a:p>
         </p:txBody>
@@ -3379,7 +3385,7 @@
           <a:p>
             <a:fld id="{4FE8F0C2-877A-49F8-B7A1-7F48C9F034FD}" type="slidenum">
               <a:rPr lang="de-DE" smtClean="0"/>
-              <a:t>46</a:t>
+              <a:t>44</a:t>
             </a:fld>
             <a:endParaRPr lang="de-DE"/>
           </a:p>
@@ -3388,7 +3394,7 @@
     </p:spTree>
     <p:extLst>
       <p:ext uri="{BB962C8B-B14F-4D97-AF65-F5344CB8AC3E}">
-        <p14:creationId xmlns:p14="http://schemas.microsoft.com/office/powerpoint/2010/main" val="1686808650"/>
+        <p14:creationId xmlns:p14="http://schemas.microsoft.com/office/powerpoint/2010/main" val="1790288722"/>
       </p:ext>
     </p:extLst>
   </p:cSld>
@@ -3499,7 +3505,7 @@
           <a:p>
             <a:fld id="{4FE8F0C2-877A-49F8-B7A1-7F48C9F034FD}" type="slidenum">
               <a:rPr lang="de-DE" smtClean="0"/>
-              <a:t>48</a:t>
+              <a:t>46</a:t>
             </a:fld>
             <a:endParaRPr lang="de-DE"/>
           </a:p>
@@ -18404,6 +18410,45 @@
           </a:p>
         </p:txBody>
       </p:sp>
+      <p:pic>
+        <p:nvPicPr>
+          <p:cNvPr id="1028" name="Picture 4" descr="http://www.loewensolar.de/_img/1/pic_16.jpg"/>
+          <p:cNvPicPr>
+            <a:picLocks noChangeAspect="1" noChangeArrowheads="1"/>
+          </p:cNvPicPr>
+          <p:nvPr/>
+        </p:nvPicPr>
+        <p:blipFill rotWithShape="1">
+          <a:blip r:embed="rId4">
+            <a:extLst>
+              <a:ext uri="{28A0092B-C50C-407E-A947-70E740481C1C}">
+                <a14:useLocalDpi xmlns:a14="http://schemas.microsoft.com/office/drawing/2010/main" val="0"/>
+              </a:ext>
+            </a:extLst>
+          </a:blip>
+          <a:srcRect l="1" r="120"/>
+          <a:stretch/>
+        </p:blipFill>
+        <p:spPr bwMode="auto">
+          <a:xfrm>
+            <a:off x="324099" y="2457896"/>
+            <a:ext cx="2854053" cy="2152650"/>
+          </a:xfrm>
+          <a:prstGeom prst="rect">
+            <a:avLst/>
+          </a:prstGeom>
+          <a:noFill/>
+          <a:extLst>
+            <a:ext uri="{909E8E84-426E-40DD-AFC4-6F175D3DCCD1}">
+              <a14:hiddenFill xmlns:a14="http://schemas.microsoft.com/office/drawing/2010/main">
+                <a:solidFill>
+                  <a:srgbClr val="FFFFFF"/>
+                </a:solidFill>
+              </a14:hiddenFill>
+            </a:ext>
+          </a:extLst>
+        </p:spPr>
+      </p:pic>
       <p:sp>
         <p:nvSpPr>
           <p:cNvPr id="2" name="Titel 1"/>
@@ -18450,9 +18495,14 @@
               <a:t>Entscheidungen werden durch Wissenschaft </a:t>
             </a:r>
             <a:r>
-              <a:rPr lang="de-DE" sz="2800" dirty="0" smtClean="0"/>
-              <a:t>fundiert</a:t>
-            </a:r>
+              <a:rPr lang="de-DE" sz="2800" dirty="0"/>
+              <a:t>fundiert </a:t>
+            </a:r>
+            <a:r>
+              <a:rPr lang="de-DE" sz="1200" dirty="0" smtClean="0"/>
+              <a:t>[GERA1 S. 11, 32f]</a:t>
+            </a:r>
+            <a:endParaRPr lang="de-DE" sz="1200" dirty="0" smtClean="0"/>
           </a:p>
           <a:p>
             <a:pPr lvl="1"/>
@@ -18563,6 +18613,39 @@
           <a:p>
             <a:pPr algn="ctr"/>
             <a:endParaRPr lang="de-DE"/>
+          </a:p>
+        </p:txBody>
+      </p:sp>
+      <p:sp>
+        <p:nvSpPr>
+          <p:cNvPr id="8" name="Rechteck 7"/>
+          <p:cNvSpPr/>
+          <p:nvPr/>
+        </p:nvSpPr>
+        <p:spPr>
+          <a:xfrm>
+            <a:off x="2119897" y="5718383"/>
+            <a:ext cx="1083951" cy="369332"/>
+          </a:xfrm>
+          <a:prstGeom prst="rect">
+            <a:avLst/>
+          </a:prstGeom>
+        </p:spPr>
+        <p:txBody>
+          <a:bodyPr wrap="none">
+            <a:spAutoFit/>
+          </a:bodyPr>
+          <a:lstStyle/>
+          <a:p>
+            <a:r>
+              <a:rPr lang="de-DE" dirty="0"/>
+              <a:t>[</a:t>
+            </a:r>
+            <a:r>
+              <a:rPr lang="de-DE" dirty="0" smtClean="0"/>
+              <a:t>GERAB1]</a:t>
+            </a:r>
+            <a:endParaRPr lang="de-DE" dirty="0"/>
           </a:p>
         </p:txBody>
       </p:sp>
@@ -19635,52 +19718,6 @@
       </p:grpSpPr>
       <p:sp>
         <p:nvSpPr>
-          <p:cNvPr id="7" name="Rechteck 6"/>
-          <p:cNvSpPr/>
-          <p:nvPr/>
-        </p:nvSpPr>
-        <p:spPr>
-          <a:xfrm>
-            <a:off x="327546" y="980727"/>
-            <a:ext cx="2876302" cy="5106988"/>
-          </a:xfrm>
-          <a:prstGeom prst="rect">
-            <a:avLst/>
-          </a:prstGeom>
-          <a:solidFill>
-            <a:schemeClr val="bg1"/>
-          </a:solidFill>
-          <a:ln>
-            <a:noFill/>
-          </a:ln>
-        </p:spPr>
-        <p:style>
-          <a:lnRef idx="2">
-            <a:schemeClr val="dk1">
-              <a:shade val="50000"/>
-            </a:schemeClr>
-          </a:lnRef>
-          <a:fillRef idx="1">
-            <a:schemeClr val="dk1"/>
-          </a:fillRef>
-          <a:effectRef idx="0">
-            <a:schemeClr val="dk1"/>
-          </a:effectRef>
-          <a:fontRef idx="minor">
-            <a:schemeClr val="lt1"/>
-          </a:fontRef>
-        </p:style>
-        <p:txBody>
-          <a:bodyPr rtlCol="0" anchor="ctr"/>
-          <a:lstStyle/>
-          <a:p>
-            <a:pPr algn="ctr"/>
-            <a:endParaRPr lang="de-DE"/>
-          </a:p>
-        </p:txBody>
-      </p:sp>
-      <p:sp>
-        <p:nvSpPr>
           <p:cNvPr id="2" name="Titel 1"/>
           <p:cNvSpPr>
             <a:spLocks noGrp="1"/>
@@ -19697,8 +19734,8 @@
           <a:lstStyle/>
           <a:p>
             <a:r>
-              <a:rPr lang="de-DE" dirty="0" smtClean="0"/>
-              <a:t>Quellen</a:t>
+              <a:rPr lang="de-DE" dirty="0"/>
+              <a:t>Quellen - Gesetzlicher Rahmen</a:t>
             </a:r>
             <a:endParaRPr lang="de-DE" dirty="0"/>
           </a:p>
@@ -19706,7 +19743,7 @@
       </p:sp>
       <p:sp>
         <p:nvSpPr>
-          <p:cNvPr id="4" name="Inhaltsplatzhalter 2"/>
+          <p:cNvPr id="3" name="Inhaltsplatzhalter 2"/>
           <p:cNvSpPr>
             <a:spLocks noGrp="1"/>
           </p:cNvSpPr>
@@ -19716,137 +19753,135 @@
         </p:nvSpPr>
         <p:spPr>
           <a:xfrm>
-            <a:off x="3707904" y="980728"/>
-            <a:ext cx="4978896" cy="5040560"/>
+            <a:off x="327545" y="980728"/>
+            <a:ext cx="8359255" cy="3456384"/>
           </a:xfrm>
         </p:spPr>
         <p:txBody>
           <a:bodyPr>
-            <a:normAutofit fontScale="92500"/>
+            <a:noAutofit/>
           </a:bodyPr>
           <a:lstStyle/>
           <a:p>
             <a:r>
-              <a:rPr lang="de-DE" sz="2800" dirty="0" smtClean="0"/>
-              <a:t>Masterthesis von </a:t>
-            </a:r>
-            <a:r>
-              <a:rPr lang="de-DE" sz="2800" dirty="0" err="1" smtClean="0"/>
-              <a:t>Tchando</a:t>
-            </a:r>
-            <a:r>
-              <a:rPr lang="de-DE" sz="2800" dirty="0" smtClean="0"/>
+              <a:rPr lang="de-DE" sz="1800" dirty="0"/>
+              <a:t>[GERA1] Huber, P.M. (2008) Staat und Wissenschaft</a:t>
+            </a:r>
+          </a:p>
+          <a:p>
+            <a:r>
+              <a:rPr lang="de-DE" sz="1800" dirty="0"/>
+              <a:t>Bilder</a:t>
+            </a:r>
+          </a:p>
+          <a:p>
+            <a:pPr lvl="1"/>
+            <a:r>
+              <a:rPr lang="de-DE" sz="1600" dirty="0"/>
+              <a:t>[GERAB1] </a:t>
+            </a:r>
+            <a:r>
+              <a:rPr lang="de-DE" sz="1600" dirty="0">
+                <a:hlinkClick r:id="rId3"/>
+              </a:rPr>
+              <a:t>http://www.loewensolar.de/_img/1/pic_16.jpg</a:t>
+            </a:r>
+            <a:r>
+              <a:rPr lang="de-DE" sz="1600" dirty="0"/>
               <a:t> </a:t>
             </a:r>
-            <a:r>
-              <a:rPr lang="de-DE" sz="2800" dirty="0" err="1" smtClean="0"/>
-              <a:t>Kongue</a:t>
-            </a:r>
-            <a:endParaRPr lang="de-DE" sz="2800" dirty="0" smtClean="0"/>
-          </a:p>
-          <a:p>
-            <a:r>
-              <a:rPr lang="de-DE" sz="2800" dirty="0" err="1" smtClean="0"/>
-              <a:t>Proposal</a:t>
-            </a:r>
-            <a:r>
-              <a:rPr lang="de-DE" sz="2800" dirty="0" smtClean="0"/>
-              <a:t>: http</a:t>
-            </a:r>
-            <a:r>
-              <a:rPr lang="de-DE" sz="2800" dirty="0"/>
-              <a:t>://</a:t>
-            </a:r>
-            <a:r>
-              <a:rPr lang="de-DE" sz="2800" dirty="0" smtClean="0"/>
-              <a:t>robotik.dfki-bremen.de/fileadmin/content/ric/teaching/thesis/KongueTchando.pdf</a:t>
-            </a:r>
-          </a:p>
-          <a:p>
-            <a:r>
-              <a:rPr lang="de-DE" sz="2800" dirty="0"/>
-              <a:t>www.dfki.de/web/ueber</a:t>
-            </a:r>
-          </a:p>
-          <a:p>
-            <a:r>
-              <a:rPr lang="de-DE" sz="2800" dirty="0" smtClean="0"/>
-              <a:t>Bilder</a:t>
-            </a:r>
           </a:p>
           <a:p>
             <a:pPr lvl="1"/>
             <a:r>
-              <a:rPr lang="de-DE" sz="2400" dirty="0"/>
-              <a:t>http://</a:t>
-            </a:r>
-            <a:r>
-              <a:rPr lang="de-DE" sz="2400" dirty="0" smtClean="0"/>
-              <a:t>robotik.dfki-bremen.de/de/startseite.html</a:t>
+              <a:rPr lang="de-DE" sz="1600" dirty="0"/>
+              <a:t>[</a:t>
+            </a:r>
+            <a:r>
+              <a:rPr lang="de-DE" sz="1600" dirty="0" smtClean="0"/>
+              <a:t>GERAB2] </a:t>
+            </a:r>
+            <a:r>
+              <a:rPr lang="de-DE" sz="1600" dirty="0" smtClean="0">
+                <a:hlinkClick r:id="rId4"/>
+              </a:rPr>
+              <a:t>http</a:t>
+            </a:r>
+            <a:r>
+              <a:rPr lang="de-DE" sz="1600" dirty="0">
+                <a:hlinkClick r:id="rId4"/>
+              </a:rPr>
+              <a:t>://d3r6fppmnpquqq.cloudfront.net/e0/ac/i80391392._szw270h3500_.jpg</a:t>
+            </a:r>
+            <a:r>
+              <a:rPr lang="de-DE" sz="1600" dirty="0"/>
+              <a:t> </a:t>
             </a:r>
           </a:p>
           <a:p>
             <a:pPr lvl="1"/>
             <a:r>
-              <a:rPr lang="de-DE" sz="2400" dirty="0"/>
-              <a:t>http://rossau.files.wordpress.com/2013/08/labyrinth-original.jpg</a:t>
-            </a:r>
-            <a:endParaRPr lang="de-DE" sz="2400" dirty="0" smtClean="0"/>
-          </a:p>
-        </p:txBody>
-      </p:sp>
-      <p:sp>
-        <p:nvSpPr>
-          <p:cNvPr id="9" name="Rechteck 8"/>
-          <p:cNvSpPr/>
-          <p:nvPr/>
-        </p:nvSpPr>
-        <p:spPr>
-          <a:xfrm>
-            <a:off x="324099" y="980727"/>
-            <a:ext cx="2876302" cy="5106988"/>
-          </a:xfrm>
-          <a:prstGeom prst="rect">
-            <a:avLst/>
-          </a:prstGeom>
-          <a:noFill/>
-          <a:ln>
-            <a:solidFill>
-              <a:schemeClr val="tx2">
-                <a:lumMod val="75000"/>
-              </a:schemeClr>
-            </a:solidFill>
-          </a:ln>
-        </p:spPr>
-        <p:style>
-          <a:lnRef idx="2">
-            <a:schemeClr val="dk1">
-              <a:shade val="50000"/>
-            </a:schemeClr>
-          </a:lnRef>
-          <a:fillRef idx="1">
-            <a:schemeClr val="dk1"/>
-          </a:fillRef>
-          <a:effectRef idx="0">
-            <a:schemeClr val="dk1"/>
-          </a:effectRef>
-          <a:fontRef idx="minor">
-            <a:schemeClr val="lt1"/>
-          </a:fontRef>
-        </p:style>
-        <p:txBody>
-          <a:bodyPr rtlCol="0" anchor="ctr"/>
-          <a:lstStyle/>
-          <a:p>
-            <a:pPr algn="ctr"/>
-            <a:endParaRPr lang="de-DE"/>
+              <a:rPr lang="de-DE" sz="1600" dirty="0"/>
+              <a:t>[</a:t>
+            </a:r>
+            <a:r>
+              <a:rPr lang="de-DE" sz="1600" dirty="0" smtClean="0"/>
+              <a:t>GERAB3] </a:t>
+            </a:r>
+            <a:r>
+              <a:rPr lang="de-DE" sz="1600" u="sng" dirty="0" smtClean="0">
+                <a:hlinkClick r:id="rId5"/>
+              </a:rPr>
+              <a:t>http</a:t>
+            </a:r>
+            <a:r>
+              <a:rPr lang="de-DE" sz="1600" u="sng" dirty="0">
+                <a:hlinkClick r:id="rId5"/>
+              </a:rPr>
+              <a:t>://juist-nachrichten.de/wp-content/uploads/2012/05/grundgesetz1.jpg</a:t>
+            </a:r>
+            <a:endParaRPr lang="de-DE" sz="1600" u="sng" dirty="0"/>
+          </a:p>
+          <a:p>
+            <a:pPr lvl="1"/>
+            <a:r>
+              <a:rPr lang="de-DE" sz="1600" dirty="0"/>
+              <a:t>[GERAB3] </a:t>
+            </a:r>
+            <a:r>
+              <a:rPr lang="de-DE" sz="1600" u="sng" dirty="0">
+                <a:hlinkClick r:id="rId6"/>
+              </a:rPr>
+              <a:t>http://www.wissenschaft.de/fast_forward</a:t>
+            </a:r>
+            <a:endParaRPr lang="de-DE" sz="1600" u="sng" dirty="0"/>
+          </a:p>
+          <a:p>
+            <a:pPr lvl="1"/>
+            <a:r>
+              <a:rPr lang="de-DE" sz="1600" u="sng" dirty="0"/>
+              <a:t>[GERAB4] </a:t>
+            </a:r>
+            <a:r>
+              <a:rPr lang="de-DE" sz="1600" u="sng" dirty="0" smtClean="0">
+                <a:hlinkClick r:id="rId7"/>
+              </a:rPr>
+              <a:t>http</a:t>
+            </a:r>
+            <a:r>
+              <a:rPr lang="de-DE" sz="1600" u="sng" dirty="0">
+                <a:hlinkClick r:id="rId7"/>
+              </a:rPr>
+              <a:t>://1.bp.blogspot.com/-MWf328hj0CY/TZmsAQU18BI/AAAAAAAAAO0/EaXPZPBYPys/s1600/150px-Flag_of_Europe.svg.png</a:t>
+            </a:r>
+            <a:endParaRPr lang="de-DE" sz="1600" u="sng" dirty="0"/>
           </a:p>
         </p:txBody>
       </p:sp>
     </p:spTree>
     <p:extLst>
       <p:ext uri="{BB962C8B-B14F-4D97-AF65-F5344CB8AC3E}">
-        <p14:creationId xmlns:p14="http://schemas.microsoft.com/office/powerpoint/2010/main" val="3205481992"/>
+        <p14:creationId xmlns:p14="http://schemas.microsoft.com/office/powerpoint/2010/main" val="3402250892"/>
       </p:ext>
     </p:extLst>
   </p:cSld>
@@ -19919,4303 +19954,6 @@
       </p:grpSpPr>
       <p:sp>
         <p:nvSpPr>
-          <p:cNvPr id="2" name="Titel 1"/>
-          <p:cNvSpPr>
-            <a:spLocks noGrp="1"/>
-          </p:cNvSpPr>
-          <p:nvPr>
-            <p:ph type="title"/>
-          </p:nvPr>
-        </p:nvSpPr>
-        <p:spPr>
-          <a:xfrm>
-            <a:off x="323528" y="188640"/>
-            <a:ext cx="8363272" cy="580926"/>
-          </a:xfrm>
-        </p:spPr>
-        <p:txBody>
-          <a:bodyPr>
-            <a:normAutofit fontScale="90000"/>
-          </a:bodyPr>
-          <a:lstStyle/>
-          <a:p>
-            <a:pPr lvl="0"/>
-            <a:r>
-              <a:rPr lang="de-DE" dirty="0"/>
-              <a:t>Rahmendaten zur </a:t>
-            </a:r>
-            <a:r>
-              <a:rPr lang="de-DE" dirty="0" smtClean="0"/>
-              <a:t>Arbeit (3/3)</a:t>
-            </a:r>
-            <a:endParaRPr lang="de-DE" dirty="0"/>
-          </a:p>
-        </p:txBody>
-      </p:sp>
-      <p:sp>
-        <p:nvSpPr>
-          <p:cNvPr id="3" name="Inhaltsplatzhalter 2"/>
-          <p:cNvSpPr>
-            <a:spLocks noGrp="1"/>
-          </p:cNvSpPr>
-          <p:nvPr>
-            <p:ph idx="1"/>
-          </p:nvPr>
-        </p:nvSpPr>
-        <p:spPr/>
-        <p:txBody>
-          <a:bodyPr>
-            <a:normAutofit/>
-          </a:bodyPr>
-          <a:lstStyle/>
-          <a:p>
-            <a:pPr lvl="0"/>
-            <a:r>
-              <a:rPr lang="de-DE" sz="2800" dirty="0"/>
-              <a:t>Geplante Dauer: 38 </a:t>
-            </a:r>
-            <a:r>
-              <a:rPr lang="de-DE" sz="2800" dirty="0" smtClean="0"/>
-              <a:t>Wochen</a:t>
-            </a:r>
-          </a:p>
-          <a:p>
-            <a:pPr lvl="1"/>
-            <a:r>
-              <a:rPr lang="de-DE" sz="2400" dirty="0"/>
-              <a:t>Literaturrecherche (2 Wochen</a:t>
-            </a:r>
-            <a:r>
-              <a:rPr lang="de-DE" sz="2400" dirty="0" smtClean="0"/>
-              <a:t>)</a:t>
-            </a:r>
-          </a:p>
-          <a:p>
-            <a:pPr lvl="1"/>
-            <a:r>
-              <a:rPr lang="de-DE" sz="2400" dirty="0" smtClean="0"/>
-              <a:t>Optimierung </a:t>
-            </a:r>
-            <a:r>
-              <a:rPr lang="de-DE" sz="2400" dirty="0"/>
-              <a:t>von EANT untersuchen (5 Wochen</a:t>
-            </a:r>
-            <a:r>
-              <a:rPr lang="de-DE" sz="2400" dirty="0" smtClean="0"/>
-              <a:t>)</a:t>
-            </a:r>
-          </a:p>
-          <a:p>
-            <a:pPr lvl="1"/>
-            <a:r>
-              <a:rPr lang="de-DE" sz="2400" dirty="0"/>
-              <a:t>Optimierung implementieren und auf </a:t>
-            </a:r>
-            <a:r>
-              <a:rPr lang="de-DE" sz="2400" dirty="0" err="1"/>
-              <a:t>standarten</a:t>
-            </a:r>
-            <a:r>
-              <a:rPr lang="de-DE" sz="2400" dirty="0"/>
-              <a:t> Systems testen( </a:t>
-            </a:r>
-            <a:r>
-              <a:rPr lang="de-DE" sz="2400" dirty="0" err="1"/>
-              <a:t>single</a:t>
-            </a:r>
-            <a:r>
-              <a:rPr lang="de-DE" sz="2400" dirty="0"/>
-              <a:t> Pole </a:t>
-            </a:r>
-            <a:r>
-              <a:rPr lang="de-DE" sz="2400" dirty="0" err="1" smtClean="0"/>
-              <a:t>balancing</a:t>
-            </a:r>
-            <a:r>
-              <a:rPr lang="de-DE" sz="2400" dirty="0" smtClean="0"/>
-              <a:t>, etc.) </a:t>
-            </a:r>
-            <a:r>
-              <a:rPr lang="de-DE" sz="2400" dirty="0"/>
-              <a:t>(8 Wochen</a:t>
-            </a:r>
-            <a:r>
-              <a:rPr lang="de-DE" sz="2400" dirty="0" smtClean="0"/>
-              <a:t>)</a:t>
-            </a:r>
-          </a:p>
-          <a:p>
-            <a:pPr lvl="1"/>
-            <a:r>
-              <a:rPr lang="de-DE" sz="2400" dirty="0"/>
-              <a:t>Parameter/Umgebung (Input, </a:t>
-            </a:r>
-            <a:r>
-              <a:rPr lang="de-DE" sz="2400" dirty="0" err="1"/>
-              <a:t>output</a:t>
-            </a:r>
-            <a:r>
-              <a:rPr lang="de-DE" sz="2400" dirty="0"/>
-              <a:t>, </a:t>
-            </a:r>
-            <a:r>
-              <a:rPr lang="de-DE" sz="2400" dirty="0" err="1"/>
-              <a:t>reward</a:t>
-            </a:r>
-            <a:r>
-              <a:rPr lang="de-DE" sz="2400" dirty="0"/>
-              <a:t> ...) </a:t>
-            </a:r>
-            <a:r>
-              <a:rPr lang="de-DE" sz="2400" dirty="0" smtClean="0"/>
-              <a:t>Definition </a:t>
-            </a:r>
-            <a:r>
-              <a:rPr lang="de-DE" sz="2400" dirty="0"/>
-              <a:t>für den Test auf das BRIO-Labyrinth (5 Wochen</a:t>
-            </a:r>
-            <a:r>
-              <a:rPr lang="de-DE" sz="2400" dirty="0" smtClean="0"/>
-              <a:t>)</a:t>
-            </a:r>
-          </a:p>
-          <a:p>
-            <a:pPr lvl="1"/>
-            <a:r>
-              <a:rPr lang="de-DE" sz="2400" dirty="0"/>
-              <a:t>Bericht schreiben (18 Wochen)</a:t>
-            </a:r>
-          </a:p>
-        </p:txBody>
-      </p:sp>
-      <p:sp>
-        <p:nvSpPr>
-          <p:cNvPr id="4" name="Datumsplatzhalter 3"/>
-          <p:cNvSpPr>
-            <a:spLocks noGrp="1"/>
-          </p:cNvSpPr>
-          <p:nvPr>
-            <p:ph type="dt" sz="half" idx="4294967295"/>
-          </p:nvPr>
-        </p:nvSpPr>
-        <p:spPr>
-          <a:xfrm>
-            <a:off x="457200" y="6356350"/>
-            <a:ext cx="2133600" cy="365125"/>
-          </a:xfrm>
-        </p:spPr>
-        <p:txBody>
-          <a:bodyPr/>
-          <a:lstStyle/>
-          <a:p>
-            <a:fld id="{5D5F394E-90F8-4F43-8348-924041BAEC7C}" type="datetimeFigureOut">
-              <a:rPr lang="de-DE" smtClean="0"/>
-              <a:t>09.12.2013</a:t>
-            </a:fld>
-            <a:endParaRPr lang="de-DE" dirty="0"/>
-          </a:p>
-        </p:txBody>
-      </p:sp>
-      <p:sp>
-        <p:nvSpPr>
-          <p:cNvPr id="5" name="Fußzeilenplatzhalter 4"/>
-          <p:cNvSpPr>
-            <a:spLocks noGrp="1"/>
-          </p:cNvSpPr>
-          <p:nvPr>
-            <p:ph type="ftr" sz="quarter" idx="4294967295"/>
-          </p:nvPr>
-        </p:nvSpPr>
-        <p:spPr>
-          <a:xfrm>
-            <a:off x="3124200" y="6356350"/>
-            <a:ext cx="2895600" cy="365125"/>
-          </a:xfrm>
-        </p:spPr>
-        <p:txBody>
-          <a:bodyPr/>
-          <a:lstStyle/>
-          <a:p>
-            <a:endParaRPr lang="de-DE"/>
-          </a:p>
-        </p:txBody>
-      </p:sp>
-      <p:sp>
-        <p:nvSpPr>
-          <p:cNvPr id="6" name="Foliennummernplatzhalter 5"/>
-          <p:cNvSpPr>
-            <a:spLocks noGrp="1"/>
-          </p:cNvSpPr>
-          <p:nvPr>
-            <p:ph type="sldNum" sz="quarter" idx="4294967295"/>
-          </p:nvPr>
-        </p:nvSpPr>
-        <p:spPr>
-          <a:xfrm>
-            <a:off x="6553200" y="6356350"/>
-            <a:ext cx="2133600" cy="365125"/>
-          </a:xfrm>
-        </p:spPr>
-        <p:txBody>
-          <a:bodyPr/>
-          <a:lstStyle/>
-          <a:p>
-            <a:fld id="{5C997049-FE7C-4047-B997-0D2E32ABA51F}" type="slidenum">
-              <a:rPr lang="de-DE" smtClean="0"/>
-              <a:t>46</a:t>
-            </a:fld>
-            <a:endParaRPr lang="de-DE"/>
-          </a:p>
-        </p:txBody>
-      </p:sp>
-      <p:sp>
-        <p:nvSpPr>
-          <p:cNvPr id="7" name="Abgerundetes Rechteck 6"/>
-          <p:cNvSpPr/>
-          <p:nvPr/>
-        </p:nvSpPr>
-        <p:spPr>
-          <a:xfrm>
-            <a:off x="122361" y="6323834"/>
-            <a:ext cx="8882418" cy="432048"/>
-          </a:xfrm>
-          <a:prstGeom prst="roundRect">
-            <a:avLst/>
-          </a:prstGeom>
-          <a:solidFill>
-            <a:schemeClr val="accent1">
-              <a:lumMod val="40000"/>
-              <a:lumOff val="60000"/>
-            </a:schemeClr>
-          </a:solidFill>
-          <a:ln>
-            <a:solidFill>
-              <a:schemeClr val="bg1"/>
-            </a:solidFill>
-          </a:ln>
-        </p:spPr>
-        <p:style>
-          <a:lnRef idx="2">
-            <a:schemeClr val="accent1">
-              <a:shade val="50000"/>
-            </a:schemeClr>
-          </a:lnRef>
-          <a:fillRef idx="1">
-            <a:schemeClr val="accent1"/>
-          </a:fillRef>
-          <a:effectRef idx="0">
-            <a:schemeClr val="accent1"/>
-          </a:effectRef>
-          <a:fontRef idx="minor">
-            <a:schemeClr val="lt1"/>
-          </a:fontRef>
-        </p:style>
-        <p:txBody>
-          <a:bodyPr rtlCol="0" anchor="ctr"/>
-          <a:lstStyle/>
-          <a:p>
-            <a:pPr algn="ctr"/>
-            <a:endParaRPr lang="de-DE"/>
-          </a:p>
-        </p:txBody>
-      </p:sp>
-      <p:graphicFrame>
-        <p:nvGraphicFramePr>
-          <p:cNvPr id="8" name="Tabelle 7"/>
-          <p:cNvGraphicFramePr>
-            <a:graphicFrameLocks noGrp="1"/>
-          </p:cNvGraphicFramePr>
-          <p:nvPr>
-            <p:extLst>
-              <p:ext uri="{D42A27DB-BD31-4B8C-83A1-F6EECF244321}">
-                <p14:modId xmlns:p14="http://schemas.microsoft.com/office/powerpoint/2010/main" val="981383323"/>
-              </p:ext>
-            </p:extLst>
-          </p:nvPr>
-        </p:nvGraphicFramePr>
-        <p:xfrm>
-          <a:off x="139864" y="6343975"/>
-          <a:ext cx="8847412" cy="411907"/>
-        </p:xfrm>
-        <a:graphic>
-          <a:graphicData uri="http://schemas.openxmlformats.org/drawingml/2006/table">
-            <a:tbl>
-              <a:tblPr firstRow="1" bandRow="1">
-                <a:tableStyleId>{5C22544A-7EE6-4342-B048-85BDC9FD1C3A}</a:tableStyleId>
-              </a:tblPr>
-              <a:tblGrid>
-                <a:gridCol w="315979"/>
-                <a:gridCol w="315979"/>
-                <a:gridCol w="315979"/>
-                <a:gridCol w="315979"/>
-                <a:gridCol w="315979"/>
-                <a:gridCol w="315979"/>
-                <a:gridCol w="315979"/>
-                <a:gridCol w="315979"/>
-                <a:gridCol w="315979"/>
-                <a:gridCol w="315979"/>
-                <a:gridCol w="315979"/>
-                <a:gridCol w="315979"/>
-                <a:gridCol w="315979"/>
-                <a:gridCol w="315979"/>
-                <a:gridCol w="315979"/>
-                <a:gridCol w="315979"/>
-                <a:gridCol w="315979"/>
-                <a:gridCol w="315979"/>
-                <a:gridCol w="315979"/>
-                <a:gridCol w="315979"/>
-                <a:gridCol w="315979"/>
-                <a:gridCol w="315979"/>
-                <a:gridCol w="315979"/>
-                <a:gridCol w="315979"/>
-                <a:gridCol w="315979"/>
-                <a:gridCol w="315979"/>
-                <a:gridCol w="315979"/>
-                <a:gridCol w="315979"/>
-              </a:tblGrid>
-              <a:tr h="411907">
-                <a:tc>
-                  <a:txBody>
-                    <a:bodyPr/>
-                    <a:lstStyle/>
-                    <a:p>
-                      <a:endParaRPr lang="de-DE" dirty="0"/>
-                    </a:p>
-                  </a:txBody>
-                  <a:tcPr>
-                    <a:lnL w="12700" cap="flat" cmpd="sng" algn="ctr">
-                      <a:solidFill>
-                        <a:schemeClr val="bg1"/>
-                      </a:solidFill>
-                      <a:prstDash val="solid"/>
-                      <a:round/>
-                      <a:headEnd type="none" w="med" len="med"/>
-                      <a:tailEnd type="none" w="med" len="med"/>
-                    </a:lnL>
-                    <a:lnR w="12700" cap="flat" cmpd="sng" algn="ctr">
-                      <a:solidFill>
-                        <a:schemeClr val="bg1"/>
-                      </a:solidFill>
-                      <a:prstDash val="solid"/>
-                      <a:round/>
-                      <a:headEnd type="none" w="med" len="med"/>
-                      <a:tailEnd type="none" w="med" len="med"/>
-                    </a:lnR>
-                    <a:lnT w="12700" cap="flat" cmpd="sng" algn="ctr">
-                      <a:solidFill>
-                        <a:schemeClr val="bg1"/>
-                      </a:solidFill>
-                      <a:prstDash val="solid"/>
-                      <a:round/>
-                      <a:headEnd type="none" w="med" len="med"/>
-                      <a:tailEnd type="none" w="med" len="med"/>
-                    </a:lnT>
-                    <a:lnB w="12700" cap="flat" cmpd="sng" algn="ctr">
-                      <a:solidFill>
-                        <a:schemeClr val="bg1"/>
-                      </a:solidFill>
-                      <a:prstDash val="solid"/>
-                      <a:round/>
-                      <a:headEnd type="none" w="med" len="med"/>
-                      <a:tailEnd type="none" w="med" len="med"/>
-                    </a:lnB>
-                    <a:lnTlToBr w="12700" cmpd="sng">
-                      <a:noFill/>
-                      <a:prstDash val="solid"/>
-                    </a:lnTlToBr>
-                    <a:lnBlToTr w="12700" cmpd="sng">
-                      <a:noFill/>
-                      <a:prstDash val="solid"/>
-                    </a:lnBlToTr>
-                    <a:solidFill>
-                      <a:schemeClr val="accent1">
-                        <a:lumMod val="60000"/>
-                        <a:lumOff val="40000"/>
-                      </a:schemeClr>
-                    </a:solidFill>
-                  </a:tcPr>
-                </a:tc>
-                <a:tc>
-                  <a:txBody>
-                    <a:bodyPr/>
-                    <a:lstStyle/>
-                    <a:p>
-                      <a:endParaRPr lang="de-DE" dirty="0"/>
-                    </a:p>
-                  </a:txBody>
-                  <a:tcPr>
-                    <a:lnL w="12700" cap="flat" cmpd="sng" algn="ctr">
-                      <a:solidFill>
-                        <a:schemeClr val="bg1"/>
-                      </a:solidFill>
-                      <a:prstDash val="solid"/>
-                      <a:round/>
-                      <a:headEnd type="none" w="med" len="med"/>
-                      <a:tailEnd type="none" w="med" len="med"/>
-                    </a:lnL>
-                    <a:lnR w="12700" cap="flat" cmpd="sng" algn="ctr">
-                      <a:solidFill>
-                        <a:schemeClr val="bg1"/>
-                      </a:solidFill>
-                      <a:prstDash val="solid"/>
-                      <a:round/>
-                      <a:headEnd type="none" w="med" len="med"/>
-                      <a:tailEnd type="none" w="med" len="med"/>
-                    </a:lnR>
-                    <a:lnT w="12700" cap="flat" cmpd="sng" algn="ctr">
-                      <a:solidFill>
-                        <a:schemeClr val="bg1"/>
-                      </a:solidFill>
-                      <a:prstDash val="solid"/>
-                      <a:round/>
-                      <a:headEnd type="none" w="med" len="med"/>
-                      <a:tailEnd type="none" w="med" len="med"/>
-                    </a:lnT>
-                    <a:lnB w="12700" cap="flat" cmpd="sng" algn="ctr">
-                      <a:solidFill>
-                        <a:schemeClr val="bg1"/>
-                      </a:solidFill>
-                      <a:prstDash val="solid"/>
-                      <a:round/>
-                      <a:headEnd type="none" w="med" len="med"/>
-                      <a:tailEnd type="none" w="med" len="med"/>
-                    </a:lnB>
-                    <a:lnTlToBr w="12700" cmpd="sng">
-                      <a:noFill/>
-                      <a:prstDash val="solid"/>
-                    </a:lnTlToBr>
-                    <a:lnBlToTr w="12700" cmpd="sng">
-                      <a:noFill/>
-                      <a:prstDash val="solid"/>
-                    </a:lnBlToTr>
-                    <a:solidFill>
-                      <a:schemeClr val="accent1">
-                        <a:lumMod val="60000"/>
-                        <a:lumOff val="40000"/>
-                      </a:schemeClr>
-                    </a:solidFill>
-                  </a:tcPr>
-                </a:tc>
-                <a:tc>
-                  <a:txBody>
-                    <a:bodyPr/>
-                    <a:lstStyle/>
-                    <a:p>
-                      <a:endParaRPr lang="de-DE" dirty="0"/>
-                    </a:p>
-                  </a:txBody>
-                  <a:tcPr>
-                    <a:lnL w="12700" cap="flat" cmpd="sng" algn="ctr">
-                      <a:solidFill>
-                        <a:schemeClr val="bg1"/>
-                      </a:solidFill>
-                      <a:prstDash val="solid"/>
-                      <a:round/>
-                      <a:headEnd type="none" w="med" len="med"/>
-                      <a:tailEnd type="none" w="med" len="med"/>
-                    </a:lnL>
-                    <a:lnR w="57150" cap="flat" cmpd="sng" algn="ctr">
-                      <a:solidFill>
-                        <a:schemeClr val="bg1"/>
-                      </a:solidFill>
-                      <a:prstDash val="solid"/>
-                      <a:round/>
-                      <a:headEnd type="none" w="med" len="med"/>
-                      <a:tailEnd type="none" w="med" len="med"/>
-                    </a:lnR>
-                    <a:lnT w="12700" cap="flat" cmpd="sng" algn="ctr">
-                      <a:solidFill>
-                        <a:schemeClr val="bg1"/>
-                      </a:solidFill>
-                      <a:prstDash val="solid"/>
-                      <a:round/>
-                      <a:headEnd type="none" w="med" len="med"/>
-                      <a:tailEnd type="none" w="med" len="med"/>
-                    </a:lnT>
-                    <a:lnB w="12700" cap="flat" cmpd="sng" algn="ctr">
-                      <a:solidFill>
-                        <a:schemeClr val="bg1"/>
-                      </a:solidFill>
-                      <a:prstDash val="solid"/>
-                      <a:round/>
-                      <a:headEnd type="none" w="med" len="med"/>
-                      <a:tailEnd type="none" w="med" len="med"/>
-                    </a:lnB>
-                    <a:lnTlToBr w="12700" cmpd="sng">
-                      <a:noFill/>
-                      <a:prstDash val="solid"/>
-                    </a:lnTlToBr>
-                    <a:lnBlToTr w="12700" cmpd="sng">
-                      <a:noFill/>
-                      <a:prstDash val="solid"/>
-                    </a:lnBlToTr>
-                    <a:solidFill>
-                      <a:schemeClr val="accent1">
-                        <a:lumMod val="60000"/>
-                        <a:lumOff val="40000"/>
-                      </a:schemeClr>
-                    </a:solidFill>
-                  </a:tcPr>
-                </a:tc>
-                <a:tc>
-                  <a:txBody>
-                    <a:bodyPr/>
-                    <a:lstStyle/>
-                    <a:p>
-                      <a:endParaRPr lang="de-DE" dirty="0"/>
-                    </a:p>
-                  </a:txBody>
-                  <a:tcPr>
-                    <a:lnL w="57150" cap="flat" cmpd="sng" algn="ctr">
-                      <a:solidFill>
-                        <a:schemeClr val="bg1"/>
-                      </a:solidFill>
-                      <a:prstDash val="solid"/>
-                      <a:round/>
-                      <a:headEnd type="none" w="med" len="med"/>
-                      <a:tailEnd type="none" w="med" len="med"/>
-                    </a:lnL>
-                    <a:lnR w="12700" cap="flat" cmpd="sng" algn="ctr">
-                      <a:solidFill>
-                        <a:schemeClr val="bg1"/>
-                      </a:solidFill>
-                      <a:prstDash val="solid"/>
-                      <a:round/>
-                      <a:headEnd type="none" w="med" len="med"/>
-                      <a:tailEnd type="none" w="med" len="med"/>
-                    </a:lnR>
-                    <a:lnT w="12700" cap="flat" cmpd="sng" algn="ctr">
-                      <a:solidFill>
-                        <a:schemeClr val="bg1"/>
-                      </a:solidFill>
-                      <a:prstDash val="solid"/>
-                      <a:round/>
-                      <a:headEnd type="none" w="med" len="med"/>
-                      <a:tailEnd type="none" w="med" len="med"/>
-                    </a:lnT>
-                    <a:lnB w="12700" cap="flat" cmpd="sng" algn="ctr">
-                      <a:solidFill>
-                        <a:schemeClr val="bg1"/>
-                      </a:solidFill>
-                      <a:prstDash val="solid"/>
-                      <a:round/>
-                      <a:headEnd type="none" w="med" len="med"/>
-                      <a:tailEnd type="none" w="med" len="med"/>
-                    </a:lnB>
-                    <a:lnTlToBr w="12700" cmpd="sng">
-                      <a:noFill/>
-                      <a:prstDash val="solid"/>
-                    </a:lnTlToBr>
-                    <a:lnBlToTr w="12700" cmpd="sng">
-                      <a:noFill/>
-                      <a:prstDash val="solid"/>
-                    </a:lnBlToTr>
-                    <a:solidFill>
-                      <a:schemeClr val="accent1">
-                        <a:lumMod val="50000"/>
-                      </a:schemeClr>
-                    </a:solidFill>
-                  </a:tcPr>
-                </a:tc>
-                <a:tc>
-                  <a:txBody>
-                    <a:bodyPr/>
-                    <a:lstStyle/>
-                    <a:p>
-                      <a:endParaRPr lang="de-DE"/>
-                    </a:p>
-                  </a:txBody>
-                  <a:tcPr>
-                    <a:lnL w="12700" cap="flat" cmpd="sng" algn="ctr">
-                      <a:solidFill>
-                        <a:schemeClr val="bg1"/>
-                      </a:solidFill>
-                      <a:prstDash val="solid"/>
-                      <a:round/>
-                      <a:headEnd type="none" w="med" len="med"/>
-                      <a:tailEnd type="none" w="med" len="med"/>
-                    </a:lnL>
-                    <a:lnR w="12700" cap="flat" cmpd="sng" algn="ctr">
-                      <a:solidFill>
-                        <a:schemeClr val="bg1"/>
-                      </a:solidFill>
-                      <a:prstDash val="solid"/>
-                      <a:round/>
-                      <a:headEnd type="none" w="med" len="med"/>
-                      <a:tailEnd type="none" w="med" len="med"/>
-                    </a:lnR>
-                    <a:lnT w="12700" cap="flat" cmpd="sng" algn="ctr">
-                      <a:solidFill>
-                        <a:schemeClr val="bg1"/>
-                      </a:solidFill>
-                      <a:prstDash val="solid"/>
-                      <a:round/>
-                      <a:headEnd type="none" w="med" len="med"/>
-                      <a:tailEnd type="none" w="med" len="med"/>
-                    </a:lnT>
-                    <a:lnB w="12700" cap="flat" cmpd="sng" algn="ctr">
-                      <a:solidFill>
-                        <a:schemeClr val="bg1"/>
-                      </a:solidFill>
-                      <a:prstDash val="solid"/>
-                      <a:round/>
-                      <a:headEnd type="none" w="med" len="med"/>
-                      <a:tailEnd type="none" w="med" len="med"/>
-                    </a:lnB>
-                    <a:lnTlToBr w="12700" cmpd="sng">
-                      <a:noFill/>
-                      <a:prstDash val="solid"/>
-                    </a:lnTlToBr>
-                    <a:lnBlToTr w="12700" cmpd="sng">
-                      <a:noFill/>
-                      <a:prstDash val="solid"/>
-                    </a:lnBlToTr>
-                    <a:solidFill>
-                      <a:schemeClr val="accent1">
-                        <a:lumMod val="50000"/>
-                      </a:schemeClr>
-                    </a:solidFill>
-                  </a:tcPr>
-                </a:tc>
-                <a:tc>
-                  <a:txBody>
-                    <a:bodyPr/>
-                    <a:lstStyle/>
-                    <a:p>
-                      <a:endParaRPr lang="de-DE"/>
-                    </a:p>
-                  </a:txBody>
-                  <a:tcPr>
-                    <a:lnL w="12700" cap="flat" cmpd="sng" algn="ctr">
-                      <a:solidFill>
-                        <a:schemeClr val="bg1"/>
-                      </a:solidFill>
-                      <a:prstDash val="solid"/>
-                      <a:round/>
-                      <a:headEnd type="none" w="med" len="med"/>
-                      <a:tailEnd type="none" w="med" len="med"/>
-                    </a:lnL>
-                    <a:lnR w="12700" cap="flat" cmpd="sng" algn="ctr">
-                      <a:solidFill>
-                        <a:schemeClr val="bg1"/>
-                      </a:solidFill>
-                      <a:prstDash val="solid"/>
-                      <a:round/>
-                      <a:headEnd type="none" w="med" len="med"/>
-                      <a:tailEnd type="none" w="med" len="med"/>
-                    </a:lnR>
-                    <a:lnT w="12700" cap="flat" cmpd="sng" algn="ctr">
-                      <a:solidFill>
-                        <a:schemeClr val="bg1"/>
-                      </a:solidFill>
-                      <a:prstDash val="solid"/>
-                      <a:round/>
-                      <a:headEnd type="none" w="med" len="med"/>
-                      <a:tailEnd type="none" w="med" len="med"/>
-                    </a:lnT>
-                    <a:lnB w="12700" cap="flat" cmpd="sng" algn="ctr">
-                      <a:solidFill>
-                        <a:schemeClr val="bg1"/>
-                      </a:solidFill>
-                      <a:prstDash val="solid"/>
-                      <a:round/>
-                      <a:headEnd type="none" w="med" len="med"/>
-                      <a:tailEnd type="none" w="med" len="med"/>
-                    </a:lnB>
-                    <a:lnTlToBr w="12700" cmpd="sng">
-                      <a:noFill/>
-                      <a:prstDash val="solid"/>
-                    </a:lnTlToBr>
-                    <a:lnBlToTr w="12700" cmpd="sng">
-                      <a:noFill/>
-                      <a:prstDash val="solid"/>
-                    </a:lnBlToTr>
-                    <a:solidFill>
-                      <a:schemeClr val="accent1">
-                        <a:lumMod val="50000"/>
-                      </a:schemeClr>
-                    </a:solidFill>
-                  </a:tcPr>
-                </a:tc>
-                <a:tc>
-                  <a:txBody>
-                    <a:bodyPr/>
-                    <a:lstStyle/>
-                    <a:p>
-                      <a:endParaRPr lang="de-DE"/>
-                    </a:p>
-                  </a:txBody>
-                  <a:tcPr>
-                    <a:lnL w="12700" cap="flat" cmpd="sng" algn="ctr">
-                      <a:solidFill>
-                        <a:schemeClr val="bg1"/>
-                      </a:solidFill>
-                      <a:prstDash val="solid"/>
-                      <a:round/>
-                      <a:headEnd type="none" w="med" len="med"/>
-                      <a:tailEnd type="none" w="med" len="med"/>
-                    </a:lnL>
-                    <a:lnR w="12700" cap="flat" cmpd="sng" algn="ctr">
-                      <a:solidFill>
-                        <a:schemeClr val="bg1"/>
-                      </a:solidFill>
-                      <a:prstDash val="solid"/>
-                      <a:round/>
-                      <a:headEnd type="none" w="med" len="med"/>
-                      <a:tailEnd type="none" w="med" len="med"/>
-                    </a:lnR>
-                    <a:lnT w="12700" cap="flat" cmpd="sng" algn="ctr">
-                      <a:solidFill>
-                        <a:schemeClr val="bg1"/>
-                      </a:solidFill>
-                      <a:prstDash val="solid"/>
-                      <a:round/>
-                      <a:headEnd type="none" w="med" len="med"/>
-                      <a:tailEnd type="none" w="med" len="med"/>
-                    </a:lnT>
-                    <a:lnB w="12700" cap="flat" cmpd="sng" algn="ctr">
-                      <a:solidFill>
-                        <a:schemeClr val="bg1"/>
-                      </a:solidFill>
-                      <a:prstDash val="solid"/>
-                      <a:round/>
-                      <a:headEnd type="none" w="med" len="med"/>
-                      <a:tailEnd type="none" w="med" len="med"/>
-                    </a:lnB>
-                    <a:lnTlToBr w="12700" cmpd="sng">
-                      <a:noFill/>
-                      <a:prstDash val="solid"/>
-                    </a:lnTlToBr>
-                    <a:lnBlToTr w="12700" cmpd="sng">
-                      <a:noFill/>
-                      <a:prstDash val="solid"/>
-                    </a:lnBlToTr>
-                    <a:solidFill>
-                      <a:schemeClr val="accent1">
-                        <a:lumMod val="50000"/>
-                      </a:schemeClr>
-                    </a:solidFill>
-                  </a:tcPr>
-                </a:tc>
-                <a:tc>
-                  <a:txBody>
-                    <a:bodyPr/>
-                    <a:lstStyle/>
-                    <a:p>
-                      <a:endParaRPr lang="de-DE"/>
-                    </a:p>
-                  </a:txBody>
-                  <a:tcPr>
-                    <a:lnL w="12700" cap="flat" cmpd="sng" algn="ctr">
-                      <a:solidFill>
-                        <a:schemeClr val="bg1"/>
-                      </a:solidFill>
-                      <a:prstDash val="solid"/>
-                      <a:round/>
-                      <a:headEnd type="none" w="med" len="med"/>
-                      <a:tailEnd type="none" w="med" len="med"/>
-                    </a:lnL>
-                    <a:lnR w="12700" cap="flat" cmpd="sng" algn="ctr">
-                      <a:solidFill>
-                        <a:schemeClr val="bg1"/>
-                      </a:solidFill>
-                      <a:prstDash val="solid"/>
-                      <a:round/>
-                      <a:headEnd type="none" w="med" len="med"/>
-                      <a:tailEnd type="none" w="med" len="med"/>
-                    </a:lnR>
-                    <a:lnT w="12700" cap="flat" cmpd="sng" algn="ctr">
-                      <a:solidFill>
-                        <a:schemeClr val="bg1"/>
-                      </a:solidFill>
-                      <a:prstDash val="solid"/>
-                      <a:round/>
-                      <a:headEnd type="none" w="med" len="med"/>
-                      <a:tailEnd type="none" w="med" len="med"/>
-                    </a:lnT>
-                    <a:lnB w="12700" cap="flat" cmpd="sng" algn="ctr">
-                      <a:solidFill>
-                        <a:schemeClr val="bg1"/>
-                      </a:solidFill>
-                      <a:prstDash val="solid"/>
-                      <a:round/>
-                      <a:headEnd type="none" w="med" len="med"/>
-                      <a:tailEnd type="none" w="med" len="med"/>
-                    </a:lnB>
-                    <a:lnTlToBr w="12700" cmpd="sng">
-                      <a:noFill/>
-                      <a:prstDash val="solid"/>
-                    </a:lnTlToBr>
-                    <a:lnBlToTr w="12700" cmpd="sng">
-                      <a:noFill/>
-                      <a:prstDash val="solid"/>
-                    </a:lnBlToTr>
-                    <a:solidFill>
-                      <a:schemeClr val="accent1">
-                        <a:lumMod val="50000"/>
-                      </a:schemeClr>
-                    </a:solidFill>
-                  </a:tcPr>
-                </a:tc>
-                <a:tc>
-                  <a:txBody>
-                    <a:bodyPr/>
-                    <a:lstStyle/>
-                    <a:p>
-                      <a:endParaRPr lang="de-DE"/>
-                    </a:p>
-                  </a:txBody>
-                  <a:tcPr>
-                    <a:lnL w="12700" cap="flat" cmpd="sng" algn="ctr">
-                      <a:solidFill>
-                        <a:schemeClr val="bg1"/>
-                      </a:solidFill>
-                      <a:prstDash val="solid"/>
-                      <a:round/>
-                      <a:headEnd type="none" w="med" len="med"/>
-                      <a:tailEnd type="none" w="med" len="med"/>
-                    </a:lnL>
-                    <a:lnR w="12700" cap="flat" cmpd="sng" algn="ctr">
-                      <a:solidFill>
-                        <a:schemeClr val="bg1"/>
-                      </a:solidFill>
-                      <a:prstDash val="solid"/>
-                      <a:round/>
-                      <a:headEnd type="none" w="med" len="med"/>
-                      <a:tailEnd type="none" w="med" len="med"/>
-                    </a:lnR>
-                    <a:lnT w="12700" cap="flat" cmpd="sng" algn="ctr">
-                      <a:solidFill>
-                        <a:schemeClr val="bg1"/>
-                      </a:solidFill>
-                      <a:prstDash val="solid"/>
-                      <a:round/>
-                      <a:headEnd type="none" w="med" len="med"/>
-                      <a:tailEnd type="none" w="med" len="med"/>
-                    </a:lnT>
-                    <a:lnB w="12700" cap="flat" cmpd="sng" algn="ctr">
-                      <a:solidFill>
-                        <a:schemeClr val="bg1"/>
-                      </a:solidFill>
-                      <a:prstDash val="solid"/>
-                      <a:round/>
-                      <a:headEnd type="none" w="med" len="med"/>
-                      <a:tailEnd type="none" w="med" len="med"/>
-                    </a:lnB>
-                    <a:lnTlToBr w="12700" cmpd="sng">
-                      <a:noFill/>
-                      <a:prstDash val="solid"/>
-                    </a:lnTlToBr>
-                    <a:lnBlToTr w="12700" cmpd="sng">
-                      <a:noFill/>
-                      <a:prstDash val="solid"/>
-                    </a:lnBlToTr>
-                    <a:solidFill>
-                      <a:schemeClr val="accent1">
-                        <a:lumMod val="50000"/>
-                      </a:schemeClr>
-                    </a:solidFill>
-                  </a:tcPr>
-                </a:tc>
-                <a:tc>
-                  <a:txBody>
-                    <a:bodyPr/>
-                    <a:lstStyle/>
-                    <a:p>
-                      <a:endParaRPr lang="de-DE"/>
-                    </a:p>
-                  </a:txBody>
-                  <a:tcPr>
-                    <a:lnL w="12700" cap="flat" cmpd="sng" algn="ctr">
-                      <a:solidFill>
-                        <a:schemeClr val="bg1"/>
-                      </a:solidFill>
-                      <a:prstDash val="solid"/>
-                      <a:round/>
-                      <a:headEnd type="none" w="med" len="med"/>
-                      <a:tailEnd type="none" w="med" len="med"/>
-                    </a:lnL>
-                    <a:lnR w="12700" cap="flat" cmpd="sng" algn="ctr">
-                      <a:solidFill>
-                        <a:schemeClr val="bg1"/>
-                      </a:solidFill>
-                      <a:prstDash val="solid"/>
-                      <a:round/>
-                      <a:headEnd type="none" w="med" len="med"/>
-                      <a:tailEnd type="none" w="med" len="med"/>
-                    </a:lnR>
-                    <a:lnT w="12700" cap="flat" cmpd="sng" algn="ctr">
-                      <a:solidFill>
-                        <a:schemeClr val="bg1"/>
-                      </a:solidFill>
-                      <a:prstDash val="solid"/>
-                      <a:round/>
-                      <a:headEnd type="none" w="med" len="med"/>
-                      <a:tailEnd type="none" w="med" len="med"/>
-                    </a:lnT>
-                    <a:lnB w="12700" cap="flat" cmpd="sng" algn="ctr">
-                      <a:solidFill>
-                        <a:schemeClr val="bg1"/>
-                      </a:solidFill>
-                      <a:prstDash val="solid"/>
-                      <a:round/>
-                      <a:headEnd type="none" w="med" len="med"/>
-                      <a:tailEnd type="none" w="med" len="med"/>
-                    </a:lnB>
-                    <a:lnTlToBr w="12700" cmpd="sng">
-                      <a:noFill/>
-                      <a:prstDash val="solid"/>
-                    </a:lnTlToBr>
-                    <a:lnBlToTr w="12700" cmpd="sng">
-                      <a:noFill/>
-                      <a:prstDash val="solid"/>
-                    </a:lnBlToTr>
-                    <a:solidFill>
-                      <a:schemeClr val="accent1">
-                        <a:lumMod val="50000"/>
-                      </a:schemeClr>
-                    </a:solidFill>
-                  </a:tcPr>
-                </a:tc>
-                <a:tc>
-                  <a:txBody>
-                    <a:bodyPr/>
-                    <a:lstStyle/>
-                    <a:p>
-                      <a:endParaRPr lang="de-DE"/>
-                    </a:p>
-                  </a:txBody>
-                  <a:tcPr>
-                    <a:lnL w="12700" cap="flat" cmpd="sng" algn="ctr">
-                      <a:solidFill>
-                        <a:schemeClr val="bg1"/>
-                      </a:solidFill>
-                      <a:prstDash val="solid"/>
-                      <a:round/>
-                      <a:headEnd type="none" w="med" len="med"/>
-                      <a:tailEnd type="none" w="med" len="med"/>
-                    </a:lnL>
-                    <a:lnR w="12700" cap="flat" cmpd="sng" algn="ctr">
-                      <a:solidFill>
-                        <a:schemeClr val="bg1"/>
-                      </a:solidFill>
-                      <a:prstDash val="solid"/>
-                      <a:round/>
-                      <a:headEnd type="none" w="med" len="med"/>
-                      <a:tailEnd type="none" w="med" len="med"/>
-                    </a:lnR>
-                    <a:lnT w="12700" cap="flat" cmpd="sng" algn="ctr">
-                      <a:solidFill>
-                        <a:schemeClr val="bg1"/>
-                      </a:solidFill>
-                      <a:prstDash val="solid"/>
-                      <a:round/>
-                      <a:headEnd type="none" w="med" len="med"/>
-                      <a:tailEnd type="none" w="med" len="med"/>
-                    </a:lnT>
-                    <a:lnB w="12700" cap="flat" cmpd="sng" algn="ctr">
-                      <a:solidFill>
-                        <a:schemeClr val="bg1"/>
-                      </a:solidFill>
-                      <a:prstDash val="solid"/>
-                      <a:round/>
-                      <a:headEnd type="none" w="med" len="med"/>
-                      <a:tailEnd type="none" w="med" len="med"/>
-                    </a:lnB>
-                    <a:lnTlToBr w="12700" cmpd="sng">
-                      <a:noFill/>
-                      <a:prstDash val="solid"/>
-                    </a:lnTlToBr>
-                    <a:lnBlToTr w="12700" cmpd="sng">
-                      <a:noFill/>
-                      <a:prstDash val="solid"/>
-                    </a:lnBlToTr>
-                    <a:solidFill>
-                      <a:schemeClr val="accent1">
-                        <a:lumMod val="50000"/>
-                      </a:schemeClr>
-                    </a:solidFill>
-                  </a:tcPr>
-                </a:tc>
-                <a:tc>
-                  <a:txBody>
-                    <a:bodyPr/>
-                    <a:lstStyle/>
-                    <a:p>
-                      <a:endParaRPr lang="de-DE" dirty="0"/>
-                    </a:p>
-                  </a:txBody>
-                  <a:tcPr>
-                    <a:lnL w="12700" cap="flat" cmpd="sng" algn="ctr">
-                      <a:solidFill>
-                        <a:schemeClr val="bg1"/>
-                      </a:solidFill>
-                      <a:prstDash val="solid"/>
-                      <a:round/>
-                      <a:headEnd type="none" w="med" len="med"/>
-                      <a:tailEnd type="none" w="med" len="med"/>
-                    </a:lnL>
-                    <a:lnR w="57150" cap="flat" cmpd="sng" algn="ctr">
-                      <a:solidFill>
-                        <a:schemeClr val="bg1"/>
-                      </a:solidFill>
-                      <a:prstDash val="solid"/>
-                      <a:round/>
-                      <a:headEnd type="none" w="med" len="med"/>
-                      <a:tailEnd type="none" w="med" len="med"/>
-                    </a:lnR>
-                    <a:lnT w="12700" cap="flat" cmpd="sng" algn="ctr">
-                      <a:solidFill>
-                        <a:schemeClr val="bg1"/>
-                      </a:solidFill>
-                      <a:prstDash val="solid"/>
-                      <a:round/>
-                      <a:headEnd type="none" w="med" len="med"/>
-                      <a:tailEnd type="none" w="med" len="med"/>
-                    </a:lnT>
-                    <a:lnB w="12700" cap="flat" cmpd="sng" algn="ctr">
-                      <a:solidFill>
-                        <a:schemeClr val="bg1"/>
-                      </a:solidFill>
-                      <a:prstDash val="solid"/>
-                      <a:round/>
-                      <a:headEnd type="none" w="med" len="med"/>
-                      <a:tailEnd type="none" w="med" len="med"/>
-                    </a:lnB>
-                    <a:lnTlToBr w="12700" cmpd="sng">
-                      <a:noFill/>
-                      <a:prstDash val="solid"/>
-                    </a:lnTlToBr>
-                    <a:lnBlToTr w="12700" cmpd="sng">
-                      <a:noFill/>
-                      <a:prstDash val="solid"/>
-                    </a:lnBlToTr>
-                    <a:solidFill>
-                      <a:schemeClr val="accent1">
-                        <a:lumMod val="50000"/>
-                      </a:schemeClr>
-                    </a:solidFill>
-                  </a:tcPr>
-                </a:tc>
-                <a:tc>
-                  <a:txBody>
-                    <a:bodyPr/>
-                    <a:lstStyle/>
-                    <a:p>
-                      <a:endParaRPr lang="de-DE"/>
-                    </a:p>
-                  </a:txBody>
-                  <a:tcPr>
-                    <a:lnL w="57150" cap="flat" cmpd="sng" algn="ctr">
-                      <a:solidFill>
-                        <a:schemeClr val="bg1"/>
-                      </a:solidFill>
-                      <a:prstDash val="solid"/>
-                      <a:round/>
-                      <a:headEnd type="none" w="med" len="med"/>
-                      <a:tailEnd type="none" w="med" len="med"/>
-                    </a:lnL>
-                    <a:lnR w="12700" cap="flat" cmpd="sng" algn="ctr">
-                      <a:solidFill>
-                        <a:schemeClr val="bg1"/>
-                      </a:solidFill>
-                      <a:prstDash val="solid"/>
-                      <a:round/>
-                      <a:headEnd type="none" w="med" len="med"/>
-                      <a:tailEnd type="none" w="med" len="med"/>
-                    </a:lnR>
-                    <a:lnT w="12700" cap="flat" cmpd="sng" algn="ctr">
-                      <a:solidFill>
-                        <a:schemeClr val="bg1"/>
-                      </a:solidFill>
-                      <a:prstDash val="solid"/>
-                      <a:round/>
-                      <a:headEnd type="none" w="med" len="med"/>
-                      <a:tailEnd type="none" w="med" len="med"/>
-                    </a:lnT>
-                    <a:lnB w="12700" cap="flat" cmpd="sng" algn="ctr">
-                      <a:solidFill>
-                        <a:schemeClr val="bg1"/>
-                      </a:solidFill>
-                      <a:prstDash val="solid"/>
-                      <a:round/>
-                      <a:headEnd type="none" w="med" len="med"/>
-                      <a:tailEnd type="none" w="med" len="med"/>
-                    </a:lnB>
-                    <a:lnTlToBr w="12700" cmpd="sng">
-                      <a:noFill/>
-                      <a:prstDash val="solid"/>
-                    </a:lnTlToBr>
-                    <a:lnBlToTr w="12700" cmpd="sng">
-                      <a:noFill/>
-                      <a:prstDash val="solid"/>
-                    </a:lnBlToTr>
-                    <a:solidFill>
-                      <a:schemeClr val="accent1">
-                        <a:lumMod val="50000"/>
-                      </a:schemeClr>
-                    </a:solidFill>
-                  </a:tcPr>
-                </a:tc>
-                <a:tc>
-                  <a:txBody>
-                    <a:bodyPr/>
-                    <a:lstStyle/>
-                    <a:p>
-                      <a:endParaRPr lang="de-DE"/>
-                    </a:p>
-                  </a:txBody>
-                  <a:tcPr>
-                    <a:lnL w="12700" cap="flat" cmpd="sng" algn="ctr">
-                      <a:solidFill>
-                        <a:schemeClr val="bg1"/>
-                      </a:solidFill>
-                      <a:prstDash val="solid"/>
-                      <a:round/>
-                      <a:headEnd type="none" w="med" len="med"/>
-                      <a:tailEnd type="none" w="med" len="med"/>
-                    </a:lnL>
-                    <a:lnR w="12700" cap="flat" cmpd="sng" algn="ctr">
-                      <a:solidFill>
-                        <a:schemeClr val="bg1"/>
-                      </a:solidFill>
-                      <a:prstDash val="solid"/>
-                      <a:round/>
-                      <a:headEnd type="none" w="med" len="med"/>
-                      <a:tailEnd type="none" w="med" len="med"/>
-                    </a:lnR>
-                    <a:lnT w="12700" cap="flat" cmpd="sng" algn="ctr">
-                      <a:solidFill>
-                        <a:schemeClr val="bg1"/>
-                      </a:solidFill>
-                      <a:prstDash val="solid"/>
-                      <a:round/>
-                      <a:headEnd type="none" w="med" len="med"/>
-                      <a:tailEnd type="none" w="med" len="med"/>
-                    </a:lnT>
-                    <a:lnB w="12700" cap="flat" cmpd="sng" algn="ctr">
-                      <a:solidFill>
-                        <a:schemeClr val="bg1"/>
-                      </a:solidFill>
-                      <a:prstDash val="solid"/>
-                      <a:round/>
-                      <a:headEnd type="none" w="med" len="med"/>
-                      <a:tailEnd type="none" w="med" len="med"/>
-                    </a:lnB>
-                    <a:lnTlToBr w="12700" cmpd="sng">
-                      <a:noFill/>
-                      <a:prstDash val="solid"/>
-                    </a:lnTlToBr>
-                    <a:lnBlToTr w="12700" cmpd="sng">
-                      <a:noFill/>
-                      <a:prstDash val="solid"/>
-                    </a:lnBlToTr>
-                    <a:solidFill>
-                      <a:schemeClr val="accent1">
-                        <a:lumMod val="50000"/>
-                      </a:schemeClr>
-                    </a:solidFill>
-                  </a:tcPr>
-                </a:tc>
-                <a:tc>
-                  <a:txBody>
-                    <a:bodyPr/>
-                    <a:lstStyle/>
-                    <a:p>
-                      <a:endParaRPr lang="de-DE"/>
-                    </a:p>
-                  </a:txBody>
-                  <a:tcPr>
-                    <a:lnL w="12700" cap="flat" cmpd="sng" algn="ctr">
-                      <a:solidFill>
-                        <a:schemeClr val="bg1"/>
-                      </a:solidFill>
-                      <a:prstDash val="solid"/>
-                      <a:round/>
-                      <a:headEnd type="none" w="med" len="med"/>
-                      <a:tailEnd type="none" w="med" len="med"/>
-                    </a:lnL>
-                    <a:lnR w="12700" cap="flat" cmpd="sng" algn="ctr">
-                      <a:solidFill>
-                        <a:schemeClr val="bg1"/>
-                      </a:solidFill>
-                      <a:prstDash val="solid"/>
-                      <a:round/>
-                      <a:headEnd type="none" w="med" len="med"/>
-                      <a:tailEnd type="none" w="med" len="med"/>
-                    </a:lnR>
-                    <a:lnT w="12700" cap="flat" cmpd="sng" algn="ctr">
-                      <a:solidFill>
-                        <a:schemeClr val="bg1"/>
-                      </a:solidFill>
-                      <a:prstDash val="solid"/>
-                      <a:round/>
-                      <a:headEnd type="none" w="med" len="med"/>
-                      <a:tailEnd type="none" w="med" len="med"/>
-                    </a:lnT>
-                    <a:lnB w="12700" cap="flat" cmpd="sng" algn="ctr">
-                      <a:solidFill>
-                        <a:schemeClr val="bg1"/>
-                      </a:solidFill>
-                      <a:prstDash val="solid"/>
-                      <a:round/>
-                      <a:headEnd type="none" w="med" len="med"/>
-                      <a:tailEnd type="none" w="med" len="med"/>
-                    </a:lnB>
-                    <a:lnTlToBr w="12700" cmpd="sng">
-                      <a:noFill/>
-                      <a:prstDash val="solid"/>
-                    </a:lnTlToBr>
-                    <a:lnBlToTr w="12700" cmpd="sng">
-                      <a:noFill/>
-                      <a:prstDash val="solid"/>
-                    </a:lnBlToTr>
-                    <a:solidFill>
-                      <a:schemeClr val="accent1">
-                        <a:lumMod val="50000"/>
-                      </a:schemeClr>
-                    </a:solidFill>
-                  </a:tcPr>
-                </a:tc>
-                <a:tc>
-                  <a:txBody>
-                    <a:bodyPr/>
-                    <a:lstStyle/>
-                    <a:p>
-                      <a:endParaRPr lang="de-DE"/>
-                    </a:p>
-                  </a:txBody>
-                  <a:tcPr>
-                    <a:lnL w="12700" cap="flat" cmpd="sng" algn="ctr">
-                      <a:solidFill>
-                        <a:schemeClr val="bg1"/>
-                      </a:solidFill>
-                      <a:prstDash val="solid"/>
-                      <a:round/>
-                      <a:headEnd type="none" w="med" len="med"/>
-                      <a:tailEnd type="none" w="med" len="med"/>
-                    </a:lnL>
-                    <a:lnR w="12700" cap="flat" cmpd="sng" algn="ctr">
-                      <a:solidFill>
-                        <a:schemeClr val="bg1"/>
-                      </a:solidFill>
-                      <a:prstDash val="solid"/>
-                      <a:round/>
-                      <a:headEnd type="none" w="med" len="med"/>
-                      <a:tailEnd type="none" w="med" len="med"/>
-                    </a:lnR>
-                    <a:lnT w="12700" cap="flat" cmpd="sng" algn="ctr">
-                      <a:solidFill>
-                        <a:schemeClr val="bg1"/>
-                      </a:solidFill>
-                      <a:prstDash val="solid"/>
-                      <a:round/>
-                      <a:headEnd type="none" w="med" len="med"/>
-                      <a:tailEnd type="none" w="med" len="med"/>
-                    </a:lnT>
-                    <a:lnB w="12700" cap="flat" cmpd="sng" algn="ctr">
-                      <a:solidFill>
-                        <a:schemeClr val="bg1"/>
-                      </a:solidFill>
-                      <a:prstDash val="solid"/>
-                      <a:round/>
-                      <a:headEnd type="none" w="med" len="med"/>
-                      <a:tailEnd type="none" w="med" len="med"/>
-                    </a:lnB>
-                    <a:lnTlToBr w="12700" cmpd="sng">
-                      <a:noFill/>
-                      <a:prstDash val="solid"/>
-                    </a:lnTlToBr>
-                    <a:lnBlToTr w="12700" cmpd="sng">
-                      <a:noFill/>
-                      <a:prstDash val="solid"/>
-                    </a:lnBlToTr>
-                    <a:solidFill>
-                      <a:schemeClr val="accent1">
-                        <a:lumMod val="50000"/>
-                      </a:schemeClr>
-                    </a:solidFill>
-                  </a:tcPr>
-                </a:tc>
-                <a:tc>
-                  <a:txBody>
-                    <a:bodyPr/>
-                    <a:lstStyle/>
-                    <a:p>
-                      <a:endParaRPr lang="de-DE"/>
-                    </a:p>
-                  </a:txBody>
-                  <a:tcPr>
-                    <a:lnL w="12700" cap="flat" cmpd="sng" algn="ctr">
-                      <a:solidFill>
-                        <a:schemeClr val="bg1"/>
-                      </a:solidFill>
-                      <a:prstDash val="solid"/>
-                      <a:round/>
-                      <a:headEnd type="none" w="med" len="med"/>
-                      <a:tailEnd type="none" w="med" len="med"/>
-                    </a:lnL>
-                    <a:lnR w="12700" cap="flat" cmpd="sng" algn="ctr">
-                      <a:solidFill>
-                        <a:schemeClr val="bg1"/>
-                      </a:solidFill>
-                      <a:prstDash val="solid"/>
-                      <a:round/>
-                      <a:headEnd type="none" w="med" len="med"/>
-                      <a:tailEnd type="none" w="med" len="med"/>
-                    </a:lnR>
-                    <a:lnT w="12700" cap="flat" cmpd="sng" algn="ctr">
-                      <a:solidFill>
-                        <a:schemeClr val="bg1"/>
-                      </a:solidFill>
-                      <a:prstDash val="solid"/>
-                      <a:round/>
-                      <a:headEnd type="none" w="med" len="med"/>
-                      <a:tailEnd type="none" w="med" len="med"/>
-                    </a:lnT>
-                    <a:lnB w="12700" cap="flat" cmpd="sng" algn="ctr">
-                      <a:solidFill>
-                        <a:schemeClr val="bg1"/>
-                      </a:solidFill>
-                      <a:prstDash val="solid"/>
-                      <a:round/>
-                      <a:headEnd type="none" w="med" len="med"/>
-                      <a:tailEnd type="none" w="med" len="med"/>
-                    </a:lnB>
-                    <a:lnTlToBr w="12700" cmpd="sng">
-                      <a:noFill/>
-                      <a:prstDash val="solid"/>
-                    </a:lnTlToBr>
-                    <a:lnBlToTr w="12700" cmpd="sng">
-                      <a:noFill/>
-                      <a:prstDash val="solid"/>
-                    </a:lnBlToTr>
-                    <a:solidFill>
-                      <a:schemeClr val="accent1">
-                        <a:lumMod val="50000"/>
-                      </a:schemeClr>
-                    </a:solidFill>
-                  </a:tcPr>
-                </a:tc>
-                <a:tc>
-                  <a:txBody>
-                    <a:bodyPr/>
-                    <a:lstStyle/>
-                    <a:p>
-                      <a:endParaRPr lang="de-DE" dirty="0"/>
-                    </a:p>
-                  </a:txBody>
-                  <a:tcPr>
-                    <a:lnL w="12700" cap="flat" cmpd="sng" algn="ctr">
-                      <a:solidFill>
-                        <a:schemeClr val="bg1"/>
-                      </a:solidFill>
-                      <a:prstDash val="solid"/>
-                      <a:round/>
-                      <a:headEnd type="none" w="med" len="med"/>
-                      <a:tailEnd type="none" w="med" len="med"/>
-                    </a:lnL>
-                    <a:lnR w="12700" cap="flat" cmpd="sng" algn="ctr">
-                      <a:solidFill>
-                        <a:schemeClr val="bg1"/>
-                      </a:solidFill>
-                      <a:prstDash val="solid"/>
-                      <a:round/>
-                      <a:headEnd type="none" w="med" len="med"/>
-                      <a:tailEnd type="none" w="med" len="med"/>
-                    </a:lnR>
-                    <a:lnT w="12700" cap="flat" cmpd="sng" algn="ctr">
-                      <a:solidFill>
-                        <a:schemeClr val="bg1"/>
-                      </a:solidFill>
-                      <a:prstDash val="solid"/>
-                      <a:round/>
-                      <a:headEnd type="none" w="med" len="med"/>
-                      <a:tailEnd type="none" w="med" len="med"/>
-                    </a:lnT>
-                    <a:lnB w="12700" cap="flat" cmpd="sng" algn="ctr">
-                      <a:solidFill>
-                        <a:schemeClr val="bg1"/>
-                      </a:solidFill>
-                      <a:prstDash val="solid"/>
-                      <a:round/>
-                      <a:headEnd type="none" w="med" len="med"/>
-                      <a:tailEnd type="none" w="med" len="med"/>
-                    </a:lnB>
-                    <a:lnTlToBr w="12700" cmpd="sng">
-                      <a:noFill/>
-                      <a:prstDash val="solid"/>
-                    </a:lnTlToBr>
-                    <a:lnBlToTr w="12700" cmpd="sng">
-                      <a:noFill/>
-                      <a:prstDash val="solid"/>
-                    </a:lnBlToTr>
-                    <a:solidFill>
-                      <a:schemeClr val="accent1">
-                        <a:lumMod val="50000"/>
-                      </a:schemeClr>
-                    </a:solidFill>
-                  </a:tcPr>
-                </a:tc>
-                <a:tc>
-                  <a:txBody>
-                    <a:bodyPr/>
-                    <a:lstStyle/>
-                    <a:p>
-                      <a:endParaRPr lang="de-DE"/>
-                    </a:p>
-                  </a:txBody>
-                  <a:tcPr>
-                    <a:lnL w="12700" cap="flat" cmpd="sng" algn="ctr">
-                      <a:solidFill>
-                        <a:schemeClr val="bg1"/>
-                      </a:solidFill>
-                      <a:prstDash val="solid"/>
-                      <a:round/>
-                      <a:headEnd type="none" w="med" len="med"/>
-                      <a:tailEnd type="none" w="med" len="med"/>
-                    </a:lnL>
-                    <a:lnR w="12700" cap="flat" cmpd="sng" algn="ctr">
-                      <a:solidFill>
-                        <a:schemeClr val="bg1"/>
-                      </a:solidFill>
-                      <a:prstDash val="solid"/>
-                      <a:round/>
-                      <a:headEnd type="none" w="med" len="med"/>
-                      <a:tailEnd type="none" w="med" len="med"/>
-                    </a:lnR>
-                    <a:lnT w="12700" cap="flat" cmpd="sng" algn="ctr">
-                      <a:solidFill>
-                        <a:schemeClr val="bg1"/>
-                      </a:solidFill>
-                      <a:prstDash val="solid"/>
-                      <a:round/>
-                      <a:headEnd type="none" w="med" len="med"/>
-                      <a:tailEnd type="none" w="med" len="med"/>
-                    </a:lnT>
-                    <a:lnB w="12700" cap="flat" cmpd="sng" algn="ctr">
-                      <a:solidFill>
-                        <a:schemeClr val="bg1"/>
-                      </a:solidFill>
-                      <a:prstDash val="solid"/>
-                      <a:round/>
-                      <a:headEnd type="none" w="med" len="med"/>
-                      <a:tailEnd type="none" w="med" len="med"/>
-                    </a:lnB>
-                    <a:lnTlToBr w="12700" cmpd="sng">
-                      <a:noFill/>
-                      <a:prstDash val="solid"/>
-                    </a:lnTlToBr>
-                    <a:lnBlToTr w="12700" cmpd="sng">
-                      <a:noFill/>
-                      <a:prstDash val="solid"/>
-                    </a:lnBlToTr>
-                    <a:solidFill>
-                      <a:schemeClr val="accent1">
-                        <a:lumMod val="50000"/>
-                      </a:schemeClr>
-                    </a:solidFill>
-                  </a:tcPr>
-                </a:tc>
-                <a:tc>
-                  <a:txBody>
-                    <a:bodyPr/>
-                    <a:lstStyle/>
-                    <a:p>
-                      <a:endParaRPr lang="de-DE"/>
-                    </a:p>
-                  </a:txBody>
-                  <a:tcPr>
-                    <a:lnL w="12700" cap="flat" cmpd="sng" algn="ctr">
-                      <a:solidFill>
-                        <a:schemeClr val="bg1"/>
-                      </a:solidFill>
-                      <a:prstDash val="solid"/>
-                      <a:round/>
-                      <a:headEnd type="none" w="med" len="med"/>
-                      <a:tailEnd type="none" w="med" len="med"/>
-                    </a:lnL>
-                    <a:lnR w="12700" cap="flat" cmpd="sng" algn="ctr">
-                      <a:solidFill>
-                        <a:schemeClr val="bg1"/>
-                      </a:solidFill>
-                      <a:prstDash val="solid"/>
-                      <a:round/>
-                      <a:headEnd type="none" w="med" len="med"/>
-                      <a:tailEnd type="none" w="med" len="med"/>
-                    </a:lnR>
-                    <a:lnT w="12700" cap="flat" cmpd="sng" algn="ctr">
-                      <a:solidFill>
-                        <a:schemeClr val="bg1"/>
-                      </a:solidFill>
-                      <a:prstDash val="solid"/>
-                      <a:round/>
-                      <a:headEnd type="none" w="med" len="med"/>
-                      <a:tailEnd type="none" w="med" len="med"/>
-                    </a:lnT>
-                    <a:lnB w="12700" cap="flat" cmpd="sng" algn="ctr">
-                      <a:solidFill>
-                        <a:schemeClr val="bg1"/>
-                      </a:solidFill>
-                      <a:prstDash val="solid"/>
-                      <a:round/>
-                      <a:headEnd type="none" w="med" len="med"/>
-                      <a:tailEnd type="none" w="med" len="med"/>
-                    </a:lnB>
-                    <a:lnTlToBr w="12700" cmpd="sng">
-                      <a:noFill/>
-                      <a:prstDash val="solid"/>
-                    </a:lnTlToBr>
-                    <a:lnBlToTr w="12700" cmpd="sng">
-                      <a:noFill/>
-                      <a:prstDash val="solid"/>
-                    </a:lnBlToTr>
-                    <a:solidFill>
-                      <a:schemeClr val="accent1">
-                        <a:lumMod val="50000"/>
-                      </a:schemeClr>
-                    </a:solidFill>
-                  </a:tcPr>
-                </a:tc>
-                <a:tc>
-                  <a:txBody>
-                    <a:bodyPr/>
-                    <a:lstStyle/>
-                    <a:p>
-                      <a:endParaRPr lang="de-DE" dirty="0"/>
-                    </a:p>
-                  </a:txBody>
-                  <a:tcPr>
-                    <a:lnL w="12700" cap="flat" cmpd="sng" algn="ctr">
-                      <a:solidFill>
-                        <a:schemeClr val="bg1"/>
-                      </a:solidFill>
-                      <a:prstDash val="solid"/>
-                      <a:round/>
-                      <a:headEnd type="none" w="med" len="med"/>
-                      <a:tailEnd type="none" w="med" len="med"/>
-                    </a:lnL>
-                    <a:lnR w="57150" cap="flat" cmpd="sng" algn="ctr">
-                      <a:solidFill>
-                        <a:schemeClr val="bg1"/>
-                      </a:solidFill>
-                      <a:prstDash val="solid"/>
-                      <a:round/>
-                      <a:headEnd type="none" w="med" len="med"/>
-                      <a:tailEnd type="none" w="med" len="med"/>
-                    </a:lnR>
-                    <a:lnT w="12700" cap="flat" cmpd="sng" algn="ctr">
-                      <a:solidFill>
-                        <a:schemeClr val="bg1"/>
-                      </a:solidFill>
-                      <a:prstDash val="solid"/>
-                      <a:round/>
-                      <a:headEnd type="none" w="med" len="med"/>
-                      <a:tailEnd type="none" w="med" len="med"/>
-                    </a:lnT>
-                    <a:lnB w="12700" cap="flat" cmpd="sng" algn="ctr">
-                      <a:solidFill>
-                        <a:schemeClr val="bg1"/>
-                      </a:solidFill>
-                      <a:prstDash val="solid"/>
-                      <a:round/>
-                      <a:headEnd type="none" w="med" len="med"/>
-                      <a:tailEnd type="none" w="med" len="med"/>
-                    </a:lnB>
-                    <a:lnTlToBr w="12700" cmpd="sng">
-                      <a:noFill/>
-                      <a:prstDash val="solid"/>
-                    </a:lnTlToBr>
-                    <a:lnBlToTr w="12700" cmpd="sng">
-                      <a:noFill/>
-                      <a:prstDash val="solid"/>
-                    </a:lnBlToTr>
-                    <a:solidFill>
-                      <a:schemeClr val="accent1">
-                        <a:lumMod val="50000"/>
-                      </a:schemeClr>
-                    </a:solidFill>
-                  </a:tcPr>
-                </a:tc>
-                <a:tc>
-                  <a:txBody>
-                    <a:bodyPr/>
-                    <a:lstStyle/>
-                    <a:p>
-                      <a:endParaRPr lang="de-DE"/>
-                    </a:p>
-                  </a:txBody>
-                  <a:tcPr>
-                    <a:lnL w="57150" cap="flat" cmpd="sng" algn="ctr">
-                      <a:solidFill>
-                        <a:schemeClr val="bg1"/>
-                      </a:solidFill>
-                      <a:prstDash val="solid"/>
-                      <a:round/>
-                      <a:headEnd type="none" w="med" len="med"/>
-                      <a:tailEnd type="none" w="med" len="med"/>
-                    </a:lnL>
-                    <a:lnR w="12700" cap="flat" cmpd="sng" algn="ctr">
-                      <a:solidFill>
-                        <a:schemeClr val="bg1"/>
-                      </a:solidFill>
-                      <a:prstDash val="solid"/>
-                      <a:round/>
-                      <a:headEnd type="none" w="med" len="med"/>
-                      <a:tailEnd type="none" w="med" len="med"/>
-                    </a:lnR>
-                    <a:lnT w="12700" cap="flat" cmpd="sng" algn="ctr">
-                      <a:solidFill>
-                        <a:schemeClr val="bg1"/>
-                      </a:solidFill>
-                      <a:prstDash val="solid"/>
-                      <a:round/>
-                      <a:headEnd type="none" w="med" len="med"/>
-                      <a:tailEnd type="none" w="med" len="med"/>
-                    </a:lnT>
-                    <a:lnB w="12700" cap="flat" cmpd="sng" algn="ctr">
-                      <a:solidFill>
-                        <a:schemeClr val="bg1"/>
-                      </a:solidFill>
-                      <a:prstDash val="solid"/>
-                      <a:round/>
-                      <a:headEnd type="none" w="med" len="med"/>
-                      <a:tailEnd type="none" w="med" len="med"/>
-                    </a:lnB>
-                    <a:lnTlToBr w="12700" cmpd="sng">
-                      <a:noFill/>
-                      <a:prstDash val="solid"/>
-                    </a:lnTlToBr>
-                    <a:lnBlToTr w="12700" cmpd="sng">
-                      <a:noFill/>
-                      <a:prstDash val="solid"/>
-                    </a:lnBlToTr>
-                    <a:solidFill>
-                      <a:schemeClr val="accent1">
-                        <a:lumMod val="50000"/>
-                      </a:schemeClr>
-                    </a:solidFill>
-                  </a:tcPr>
-                </a:tc>
-                <a:tc>
-                  <a:txBody>
-                    <a:bodyPr/>
-                    <a:lstStyle/>
-                    <a:p>
-                      <a:endParaRPr lang="de-DE" dirty="0"/>
-                    </a:p>
-                  </a:txBody>
-                  <a:tcPr>
-                    <a:lnL w="12700" cap="flat" cmpd="sng" algn="ctr">
-                      <a:solidFill>
-                        <a:schemeClr val="bg1"/>
-                      </a:solidFill>
-                      <a:prstDash val="solid"/>
-                      <a:round/>
-                      <a:headEnd type="none" w="med" len="med"/>
-                      <a:tailEnd type="none" w="med" len="med"/>
-                    </a:lnL>
-                    <a:lnR w="57150" cap="flat" cmpd="sng" algn="ctr">
-                      <a:solidFill>
-                        <a:schemeClr val="bg1"/>
-                      </a:solidFill>
-                      <a:prstDash val="solid"/>
-                      <a:round/>
-                      <a:headEnd type="none" w="med" len="med"/>
-                      <a:tailEnd type="none" w="med" len="med"/>
-                    </a:lnR>
-                    <a:lnT w="12700" cap="flat" cmpd="sng" algn="ctr">
-                      <a:solidFill>
-                        <a:schemeClr val="bg1"/>
-                      </a:solidFill>
-                      <a:prstDash val="solid"/>
-                      <a:round/>
-                      <a:headEnd type="none" w="med" len="med"/>
-                      <a:tailEnd type="none" w="med" len="med"/>
-                    </a:lnT>
-                    <a:lnB w="12700" cap="flat" cmpd="sng" algn="ctr">
-                      <a:solidFill>
-                        <a:schemeClr val="bg1"/>
-                      </a:solidFill>
-                      <a:prstDash val="solid"/>
-                      <a:round/>
-                      <a:headEnd type="none" w="med" len="med"/>
-                      <a:tailEnd type="none" w="med" len="med"/>
-                    </a:lnB>
-                    <a:lnTlToBr w="12700" cmpd="sng">
-                      <a:noFill/>
-                      <a:prstDash val="solid"/>
-                    </a:lnTlToBr>
-                    <a:lnBlToTr w="12700" cmpd="sng">
-                      <a:noFill/>
-                      <a:prstDash val="solid"/>
-                    </a:lnBlToTr>
-                    <a:solidFill>
-                      <a:schemeClr val="accent1">
-                        <a:lumMod val="50000"/>
-                      </a:schemeClr>
-                    </a:solidFill>
-                  </a:tcPr>
-                </a:tc>
-                <a:tc>
-                  <a:txBody>
-                    <a:bodyPr/>
-                    <a:lstStyle/>
-                    <a:p>
-                      <a:endParaRPr lang="de-DE" dirty="0"/>
-                    </a:p>
-                  </a:txBody>
-                  <a:tcPr>
-                    <a:lnL w="57150" cap="flat" cmpd="sng" algn="ctr">
-                      <a:solidFill>
-                        <a:schemeClr val="bg1"/>
-                      </a:solidFill>
-                      <a:prstDash val="solid"/>
-                      <a:round/>
-                      <a:headEnd type="none" w="med" len="med"/>
-                      <a:tailEnd type="none" w="med" len="med"/>
-                    </a:lnL>
-                    <a:lnR w="12700" cap="flat" cmpd="sng" algn="ctr">
-                      <a:solidFill>
-                        <a:schemeClr val="bg1"/>
-                      </a:solidFill>
-                      <a:prstDash val="solid"/>
-                      <a:round/>
-                      <a:headEnd type="none" w="med" len="med"/>
-                      <a:tailEnd type="none" w="med" len="med"/>
-                    </a:lnR>
-                    <a:lnT w="12700" cap="flat" cmpd="sng" algn="ctr">
-                      <a:solidFill>
-                        <a:schemeClr val="bg1"/>
-                      </a:solidFill>
-                      <a:prstDash val="solid"/>
-                      <a:round/>
-                      <a:headEnd type="none" w="med" len="med"/>
-                      <a:tailEnd type="none" w="med" len="med"/>
-                    </a:lnT>
-                    <a:lnB w="12700" cap="flat" cmpd="sng" algn="ctr">
-                      <a:solidFill>
-                        <a:schemeClr val="bg1"/>
-                      </a:solidFill>
-                      <a:prstDash val="solid"/>
-                      <a:round/>
-                      <a:headEnd type="none" w="med" len="med"/>
-                      <a:tailEnd type="none" w="med" len="med"/>
-                    </a:lnB>
-                    <a:lnTlToBr w="12700" cmpd="sng">
-                      <a:noFill/>
-                      <a:prstDash val="solid"/>
-                    </a:lnTlToBr>
-                    <a:lnBlToTr w="12700" cmpd="sng">
-                      <a:noFill/>
-                      <a:prstDash val="solid"/>
-                    </a:lnBlToTr>
-                    <a:solidFill>
-                      <a:schemeClr val="accent1">
-                        <a:lumMod val="50000"/>
-                      </a:schemeClr>
-                    </a:solidFill>
-                  </a:tcPr>
-                </a:tc>
-                <a:tc>
-                  <a:txBody>
-                    <a:bodyPr/>
-                    <a:lstStyle/>
-                    <a:p>
-                      <a:endParaRPr lang="de-DE"/>
-                    </a:p>
-                  </a:txBody>
-                  <a:tcPr>
-                    <a:lnL w="12700" cap="flat" cmpd="sng" algn="ctr">
-                      <a:solidFill>
-                        <a:schemeClr val="bg1"/>
-                      </a:solidFill>
-                      <a:prstDash val="solid"/>
-                      <a:round/>
-                      <a:headEnd type="none" w="med" len="med"/>
-                      <a:tailEnd type="none" w="med" len="med"/>
-                    </a:lnL>
-                    <a:lnR w="12700" cap="flat" cmpd="sng" algn="ctr">
-                      <a:solidFill>
-                        <a:schemeClr val="bg1"/>
-                      </a:solidFill>
-                      <a:prstDash val="solid"/>
-                      <a:round/>
-                      <a:headEnd type="none" w="med" len="med"/>
-                      <a:tailEnd type="none" w="med" len="med"/>
-                    </a:lnR>
-                    <a:lnT w="12700" cap="flat" cmpd="sng" algn="ctr">
-                      <a:solidFill>
-                        <a:schemeClr val="bg1"/>
-                      </a:solidFill>
-                      <a:prstDash val="solid"/>
-                      <a:round/>
-                      <a:headEnd type="none" w="med" len="med"/>
-                      <a:tailEnd type="none" w="med" len="med"/>
-                    </a:lnT>
-                    <a:lnB w="12700" cap="flat" cmpd="sng" algn="ctr">
-                      <a:solidFill>
-                        <a:schemeClr val="bg1"/>
-                      </a:solidFill>
-                      <a:prstDash val="solid"/>
-                      <a:round/>
-                      <a:headEnd type="none" w="med" len="med"/>
-                      <a:tailEnd type="none" w="med" len="med"/>
-                    </a:lnB>
-                    <a:lnTlToBr w="12700" cmpd="sng">
-                      <a:noFill/>
-                      <a:prstDash val="solid"/>
-                    </a:lnTlToBr>
-                    <a:lnBlToTr w="12700" cmpd="sng">
-                      <a:noFill/>
-                      <a:prstDash val="solid"/>
-                    </a:lnBlToTr>
-                    <a:solidFill>
-                      <a:schemeClr val="accent1">
-                        <a:lumMod val="50000"/>
-                      </a:schemeClr>
-                    </a:solidFill>
-                  </a:tcPr>
-                </a:tc>
-                <a:tc>
-                  <a:txBody>
-                    <a:bodyPr/>
-                    <a:lstStyle/>
-                    <a:p>
-                      <a:endParaRPr lang="de-DE" dirty="0"/>
-                    </a:p>
-                  </a:txBody>
-                  <a:tcPr>
-                    <a:lnL w="12700" cap="flat" cmpd="sng" algn="ctr">
-                      <a:solidFill>
-                        <a:schemeClr val="bg1"/>
-                      </a:solidFill>
-                      <a:prstDash val="solid"/>
-                      <a:round/>
-                      <a:headEnd type="none" w="med" len="med"/>
-                      <a:tailEnd type="none" w="med" len="med"/>
-                    </a:lnL>
-                    <a:lnR w="57150" cap="flat" cmpd="sng" algn="ctr">
-                      <a:solidFill>
-                        <a:schemeClr val="bg1"/>
-                      </a:solidFill>
-                      <a:prstDash val="solid"/>
-                      <a:round/>
-                      <a:headEnd type="none" w="med" len="med"/>
-                      <a:tailEnd type="none" w="med" len="med"/>
-                    </a:lnR>
-                    <a:lnT w="12700" cap="flat" cmpd="sng" algn="ctr">
-                      <a:solidFill>
-                        <a:schemeClr val="bg1"/>
-                      </a:solidFill>
-                      <a:prstDash val="solid"/>
-                      <a:round/>
-                      <a:headEnd type="none" w="med" len="med"/>
-                      <a:tailEnd type="none" w="med" len="med"/>
-                    </a:lnT>
-                    <a:lnB w="12700" cap="flat" cmpd="sng" algn="ctr">
-                      <a:solidFill>
-                        <a:schemeClr val="bg1"/>
-                      </a:solidFill>
-                      <a:prstDash val="solid"/>
-                      <a:round/>
-                      <a:headEnd type="none" w="med" len="med"/>
-                      <a:tailEnd type="none" w="med" len="med"/>
-                    </a:lnB>
-                    <a:lnTlToBr w="12700" cmpd="sng">
-                      <a:noFill/>
-                      <a:prstDash val="solid"/>
-                    </a:lnTlToBr>
-                    <a:lnBlToTr w="12700" cmpd="sng">
-                      <a:noFill/>
-                      <a:prstDash val="solid"/>
-                    </a:lnBlToTr>
-                    <a:solidFill>
-                      <a:schemeClr val="accent1">
-                        <a:lumMod val="50000"/>
-                      </a:schemeClr>
-                    </a:solidFill>
-                  </a:tcPr>
-                </a:tc>
-                <a:tc>
-                  <a:txBody>
-                    <a:bodyPr/>
-                    <a:lstStyle/>
-                    <a:p>
-                      <a:endParaRPr lang="de-DE" dirty="0"/>
-                    </a:p>
-                  </a:txBody>
-                  <a:tcPr>
-                    <a:lnL w="57150" cap="flat" cmpd="sng" algn="ctr">
-                      <a:solidFill>
-                        <a:schemeClr val="bg1"/>
-                      </a:solidFill>
-                      <a:prstDash val="solid"/>
-                      <a:round/>
-                      <a:headEnd type="none" w="med" len="med"/>
-                      <a:tailEnd type="none" w="med" len="med"/>
-                    </a:lnL>
-                    <a:lnR w="12700" cap="flat" cmpd="sng" algn="ctr">
-                      <a:solidFill>
-                        <a:schemeClr val="bg1"/>
-                      </a:solidFill>
-                      <a:prstDash val="solid"/>
-                      <a:round/>
-                      <a:headEnd type="none" w="med" len="med"/>
-                      <a:tailEnd type="none" w="med" len="med"/>
-                    </a:lnR>
-                    <a:lnT w="12700" cap="flat" cmpd="sng" algn="ctr">
-                      <a:solidFill>
-                        <a:schemeClr val="bg1"/>
-                      </a:solidFill>
-                      <a:prstDash val="solid"/>
-                      <a:round/>
-                      <a:headEnd type="none" w="med" len="med"/>
-                      <a:tailEnd type="none" w="med" len="med"/>
-                    </a:lnT>
-                    <a:lnB w="12700" cap="flat" cmpd="sng" algn="ctr">
-                      <a:solidFill>
-                        <a:schemeClr val="bg1"/>
-                      </a:solidFill>
-                      <a:prstDash val="solid"/>
-                      <a:round/>
-                      <a:headEnd type="none" w="med" len="med"/>
-                      <a:tailEnd type="none" w="med" len="med"/>
-                    </a:lnB>
-                    <a:lnTlToBr w="12700" cmpd="sng">
-                      <a:noFill/>
-                      <a:prstDash val="solid"/>
-                    </a:lnTlToBr>
-                    <a:lnBlToTr w="12700" cmpd="sng">
-                      <a:noFill/>
-                      <a:prstDash val="solid"/>
-                    </a:lnBlToTr>
-                    <a:solidFill>
-                      <a:schemeClr val="accent1">
-                        <a:lumMod val="50000"/>
-                      </a:schemeClr>
-                    </a:solidFill>
-                  </a:tcPr>
-                </a:tc>
-                <a:tc>
-                  <a:txBody>
-                    <a:bodyPr/>
-                    <a:lstStyle/>
-                    <a:p>
-                      <a:endParaRPr lang="de-DE" dirty="0"/>
-                    </a:p>
-                  </a:txBody>
-                  <a:tcPr>
-                    <a:lnL w="12700" cap="flat" cmpd="sng" algn="ctr">
-                      <a:solidFill>
-                        <a:schemeClr val="bg1"/>
-                      </a:solidFill>
-                      <a:prstDash val="solid"/>
-                      <a:round/>
-                      <a:headEnd type="none" w="med" len="med"/>
-                      <a:tailEnd type="none" w="med" len="med"/>
-                    </a:lnL>
-                    <a:lnR w="12700" cap="flat" cmpd="sng" algn="ctr">
-                      <a:solidFill>
-                        <a:schemeClr val="bg1"/>
-                      </a:solidFill>
-                      <a:prstDash val="solid"/>
-                      <a:round/>
-                      <a:headEnd type="none" w="med" len="med"/>
-                      <a:tailEnd type="none" w="med" len="med"/>
-                    </a:lnR>
-                    <a:lnT w="12700" cap="flat" cmpd="sng" algn="ctr">
-                      <a:solidFill>
-                        <a:schemeClr val="bg1"/>
-                      </a:solidFill>
-                      <a:prstDash val="solid"/>
-                      <a:round/>
-                      <a:headEnd type="none" w="med" len="med"/>
-                      <a:tailEnd type="none" w="med" len="med"/>
-                    </a:lnT>
-                    <a:lnB w="12700" cap="flat" cmpd="sng" algn="ctr">
-                      <a:solidFill>
-                        <a:schemeClr val="bg1"/>
-                      </a:solidFill>
-                      <a:prstDash val="solid"/>
-                      <a:round/>
-                      <a:headEnd type="none" w="med" len="med"/>
-                      <a:tailEnd type="none" w="med" len="med"/>
-                    </a:lnB>
-                    <a:lnTlToBr w="12700" cmpd="sng">
-                      <a:noFill/>
-                      <a:prstDash val="solid"/>
-                    </a:lnTlToBr>
-                    <a:lnBlToTr w="12700" cmpd="sng">
-                      <a:noFill/>
-                      <a:prstDash val="solid"/>
-                    </a:lnBlToTr>
-                    <a:solidFill>
-                      <a:schemeClr val="accent1">
-                        <a:lumMod val="50000"/>
-                      </a:schemeClr>
-                    </a:solidFill>
-                  </a:tcPr>
-                </a:tc>
-              </a:tr>
-            </a:tbl>
-          </a:graphicData>
-        </a:graphic>
-      </p:graphicFrame>
-      <p:sp>
-        <p:nvSpPr>
-          <p:cNvPr id="9" name="Abgerundetes Rechteck 8"/>
-          <p:cNvSpPr/>
-          <p:nvPr/>
-        </p:nvSpPr>
-        <p:spPr>
-          <a:xfrm>
-            <a:off x="130339" y="6323835"/>
-            <a:ext cx="8882418" cy="432048"/>
-          </a:xfrm>
-          <a:prstGeom prst="roundRect">
-            <a:avLst/>
-          </a:prstGeom>
-          <a:noFill/>
-          <a:ln w="57150">
-            <a:solidFill>
-              <a:schemeClr val="bg1"/>
-            </a:solidFill>
-          </a:ln>
-        </p:spPr>
-        <p:style>
-          <a:lnRef idx="2">
-            <a:schemeClr val="accent1">
-              <a:shade val="50000"/>
-            </a:schemeClr>
-          </a:lnRef>
-          <a:fillRef idx="1">
-            <a:schemeClr val="accent1"/>
-          </a:fillRef>
-          <a:effectRef idx="0">
-            <a:schemeClr val="accent1"/>
-          </a:effectRef>
-          <a:fontRef idx="minor">
-            <a:schemeClr val="lt1"/>
-          </a:fontRef>
-        </p:style>
-        <p:txBody>
-          <a:bodyPr rtlCol="0" anchor="ctr"/>
-          <a:lstStyle/>
-          <a:p>
-            <a:pPr algn="ctr"/>
-            <a:endParaRPr lang="de-DE"/>
-          </a:p>
-        </p:txBody>
-      </p:sp>
-    </p:spTree>
-    <p:extLst>
-      <p:ext uri="{BB962C8B-B14F-4D97-AF65-F5344CB8AC3E}">
-        <p14:creationId xmlns:p14="http://schemas.microsoft.com/office/powerpoint/2010/main" val="3909894810"/>
-      </p:ext>
-    </p:extLst>
-  </p:cSld>
-  <p:clrMapOvr>
-    <a:masterClrMapping/>
-  </p:clrMapOvr>
-  <p:timing>
-    <p:tnLst>
-      <p:par>
-        <p:cTn id="1" dur="indefinite" restart="never" nodeType="tmRoot"/>
-      </p:par>
-    </p:tnLst>
-  </p:timing>
-</p:sld>
-</file>
-
-<file path=ppt/slides/slide47.xml><?xml version="1.0" encoding="utf-8"?>
-<p:sld xmlns:a="http://schemas.openxmlformats.org/drawingml/2006/main" xmlns:r="http://schemas.openxmlformats.org/officeDocument/2006/relationships" xmlns:p="http://schemas.openxmlformats.org/presentationml/2006/main">
-  <p:cSld>
-    <p:spTree>
-      <p:nvGrpSpPr>
-        <p:cNvPr id="1" name=""/>
-        <p:cNvGrpSpPr/>
-        <p:nvPr/>
-      </p:nvGrpSpPr>
-      <p:grpSpPr>
-        <a:xfrm>
-          <a:off x="0" y="0"/>
-          <a:ext cx="0" cy="0"/>
-          <a:chOff x="0" y="0"/>
-          <a:chExt cx="0" cy="0"/>
-        </a:xfrm>
-      </p:grpSpPr>
-      <p:pic>
-        <p:nvPicPr>
-          <p:cNvPr id="7" name="Picture 3"/>
-          <p:cNvPicPr>
-            <a:picLocks noChangeAspect="1" noChangeArrowheads="1"/>
-          </p:cNvPicPr>
-          <p:nvPr/>
-        </p:nvPicPr>
-        <p:blipFill rotWithShape="1">
-          <a:blip r:embed="rId2">
-            <a:extLst>
-              <a:ext uri="{28A0092B-C50C-407E-A947-70E740481C1C}">
-                <a14:useLocalDpi xmlns:a14="http://schemas.microsoft.com/office/drawing/2010/main" val="0"/>
-              </a:ext>
-            </a:extLst>
-          </a:blip>
-          <a:srcRect l="344" t="18275" r="369" b="16304"/>
-          <a:stretch/>
-        </p:blipFill>
-        <p:spPr bwMode="auto">
-          <a:xfrm>
-            <a:off x="327546" y="2996951"/>
-            <a:ext cx="8346900" cy="3090763"/>
-          </a:xfrm>
-          <a:prstGeom prst="rect">
-            <a:avLst/>
-          </a:prstGeom>
-          <a:noFill/>
-          <a:ln>
-            <a:noFill/>
-          </a:ln>
-          <a:extLst>
-            <a:ext uri="{909E8E84-426E-40DD-AFC4-6F175D3DCCD1}">
-              <a14:hiddenFill xmlns:a14="http://schemas.microsoft.com/office/drawing/2010/main">
-                <a:solidFill>
-                  <a:schemeClr val="accent1"/>
-                </a:solidFill>
-              </a14:hiddenFill>
-            </a:ext>
-            <a:ext uri="{91240B29-F687-4F45-9708-019B960494DF}">
-              <a14:hiddenLine xmlns:a14="http://schemas.microsoft.com/office/drawing/2010/main" w="9525">
-                <a:solidFill>
-                  <a:schemeClr val="tx1"/>
-                </a:solidFill>
-                <a:miter lim="800000"/>
-                <a:headEnd/>
-                <a:tailEnd/>
-              </a14:hiddenLine>
-            </a:ext>
-          </a:extLst>
-        </p:spPr>
-      </p:pic>
-      <p:sp>
-        <p:nvSpPr>
-          <p:cNvPr id="2" name="Titel 1"/>
-          <p:cNvSpPr>
-            <a:spLocks noGrp="1"/>
-          </p:cNvSpPr>
-          <p:nvPr>
-            <p:ph type="title"/>
-          </p:nvPr>
-        </p:nvSpPr>
-        <p:spPr/>
-        <p:txBody>
-          <a:bodyPr>
-            <a:normAutofit fontScale="90000"/>
-          </a:bodyPr>
-          <a:lstStyle/>
-          <a:p>
-            <a:r>
-              <a:rPr lang="de-DE" dirty="0" smtClean="0"/>
-              <a:t>DFKI (1/2)</a:t>
-            </a:r>
-            <a:endParaRPr lang="de-DE" dirty="0"/>
-          </a:p>
-        </p:txBody>
-      </p:sp>
-      <p:sp>
-        <p:nvSpPr>
-          <p:cNvPr id="3" name="Inhaltsplatzhalter 2"/>
-          <p:cNvSpPr>
-            <a:spLocks noGrp="1"/>
-          </p:cNvSpPr>
-          <p:nvPr>
-            <p:ph idx="1"/>
-          </p:nvPr>
-        </p:nvSpPr>
-        <p:spPr/>
-        <p:txBody>
-          <a:bodyPr/>
-          <a:lstStyle/>
-          <a:p>
-            <a:r>
-              <a:rPr lang="de-DE" dirty="0" smtClean="0"/>
-              <a:t>Gründung: </a:t>
-            </a:r>
-            <a:r>
-              <a:rPr lang="de-DE" dirty="0"/>
-              <a:t>1988</a:t>
-            </a:r>
-          </a:p>
-          <a:p>
-            <a:r>
-              <a:rPr lang="de-DE" dirty="0"/>
-              <a:t>Standorte: Kaiserslautern, </a:t>
-            </a:r>
-            <a:r>
-              <a:rPr lang="de-DE" dirty="0" err="1"/>
-              <a:t>Saarbrücken</a:t>
-            </a:r>
-            <a:r>
-              <a:rPr lang="de-DE" dirty="0"/>
-              <a:t>, Bremen und ein </a:t>
-            </a:r>
-            <a:r>
-              <a:rPr lang="de-DE" dirty="0" err="1"/>
-              <a:t>Projektbüro</a:t>
-            </a:r>
-            <a:r>
-              <a:rPr lang="de-DE" dirty="0"/>
-              <a:t> in Berlin</a:t>
-            </a:r>
-          </a:p>
-          <a:p>
-            <a:endParaRPr lang="de-DE" dirty="0"/>
-          </a:p>
-        </p:txBody>
-      </p:sp>
-      <p:cxnSp>
-        <p:nvCxnSpPr>
-          <p:cNvPr id="4" name="Gerade Verbindung 3"/>
-          <p:cNvCxnSpPr/>
-          <p:nvPr/>
-        </p:nvCxnSpPr>
-        <p:spPr>
-          <a:xfrm>
-            <a:off x="327545" y="2734320"/>
-            <a:ext cx="8346901" cy="0"/>
-          </a:xfrm>
-          <a:prstGeom prst="line">
-            <a:avLst/>
-          </a:prstGeom>
-          <a:ln w="38100">
-            <a:solidFill>
-              <a:schemeClr val="tx1"/>
-            </a:solidFill>
-          </a:ln>
-        </p:spPr>
-        <p:style>
-          <a:lnRef idx="1">
-            <a:schemeClr val="accent1"/>
-          </a:lnRef>
-          <a:fillRef idx="0">
-            <a:schemeClr val="accent1"/>
-          </a:fillRef>
-          <a:effectRef idx="0">
-            <a:schemeClr val="accent1"/>
-          </a:effectRef>
-          <a:fontRef idx="minor">
-            <a:schemeClr val="tx1"/>
-          </a:fontRef>
-        </p:style>
-      </p:cxnSp>
-      <p:sp>
-        <p:nvSpPr>
-          <p:cNvPr id="5" name="Rechteck 4"/>
-          <p:cNvSpPr/>
-          <p:nvPr/>
-        </p:nvSpPr>
-        <p:spPr>
-          <a:xfrm>
-            <a:off x="327545" y="2996952"/>
-            <a:ext cx="8346901" cy="3090763"/>
-          </a:xfrm>
-          <a:prstGeom prst="rect">
-            <a:avLst/>
-          </a:prstGeom>
-          <a:noFill/>
-          <a:ln>
-            <a:solidFill>
-              <a:schemeClr val="accent1">
-                <a:lumMod val="50000"/>
-              </a:schemeClr>
-            </a:solidFill>
-          </a:ln>
-        </p:spPr>
-        <p:style>
-          <a:lnRef idx="2">
-            <a:schemeClr val="accent1"/>
-          </a:lnRef>
-          <a:fillRef idx="1">
-            <a:schemeClr val="lt1"/>
-          </a:fillRef>
-          <a:effectRef idx="0">
-            <a:schemeClr val="accent1"/>
-          </a:effectRef>
-          <a:fontRef idx="minor">
-            <a:schemeClr val="dk1"/>
-          </a:fontRef>
-        </p:style>
-        <p:txBody>
-          <a:bodyPr rtlCol="0" anchor="ctr"/>
-          <a:lstStyle/>
-          <a:p>
-            <a:pPr algn="ctr"/>
-            <a:endParaRPr lang="de-DE"/>
-          </a:p>
-        </p:txBody>
-      </p:sp>
-      <p:sp>
-        <p:nvSpPr>
-          <p:cNvPr id="8" name="Datumsplatzhalter 3"/>
-          <p:cNvSpPr>
-            <a:spLocks noGrp="1"/>
-          </p:cNvSpPr>
-          <p:nvPr>
-            <p:ph type="dt" sz="half" idx="4294967295"/>
-          </p:nvPr>
-        </p:nvSpPr>
-        <p:spPr>
-          <a:xfrm>
-            <a:off x="457200" y="6356350"/>
-            <a:ext cx="2133600" cy="365125"/>
-          </a:xfrm>
-        </p:spPr>
-        <p:txBody>
-          <a:bodyPr/>
-          <a:lstStyle/>
-          <a:p>
-            <a:fld id="{5D5F394E-90F8-4F43-8348-924041BAEC7C}" type="datetimeFigureOut">
-              <a:rPr lang="de-DE" smtClean="0"/>
-              <a:t>09.12.2013</a:t>
-            </a:fld>
-            <a:endParaRPr lang="de-DE" dirty="0"/>
-          </a:p>
-        </p:txBody>
-      </p:sp>
-      <p:sp>
-        <p:nvSpPr>
-          <p:cNvPr id="9" name="Fußzeilenplatzhalter 4"/>
-          <p:cNvSpPr>
-            <a:spLocks noGrp="1"/>
-          </p:cNvSpPr>
-          <p:nvPr>
-            <p:ph type="ftr" sz="quarter" idx="4294967295"/>
-          </p:nvPr>
-        </p:nvSpPr>
-        <p:spPr>
-          <a:xfrm>
-            <a:off x="3124200" y="6356350"/>
-            <a:ext cx="2895600" cy="365125"/>
-          </a:xfrm>
-        </p:spPr>
-        <p:txBody>
-          <a:bodyPr/>
-          <a:lstStyle/>
-          <a:p>
-            <a:endParaRPr lang="de-DE"/>
-          </a:p>
-        </p:txBody>
-      </p:sp>
-      <p:sp>
-        <p:nvSpPr>
-          <p:cNvPr id="10" name="Foliennummernplatzhalter 5"/>
-          <p:cNvSpPr>
-            <a:spLocks noGrp="1"/>
-          </p:cNvSpPr>
-          <p:nvPr>
-            <p:ph type="sldNum" sz="quarter" idx="4294967295"/>
-          </p:nvPr>
-        </p:nvSpPr>
-        <p:spPr>
-          <a:xfrm>
-            <a:off x="6553200" y="6356350"/>
-            <a:ext cx="2133600" cy="365125"/>
-          </a:xfrm>
-        </p:spPr>
-        <p:txBody>
-          <a:bodyPr/>
-          <a:lstStyle/>
-          <a:p>
-            <a:fld id="{5C997049-FE7C-4047-B997-0D2E32ABA51F}" type="slidenum">
-              <a:rPr lang="de-DE" smtClean="0"/>
-              <a:t>47</a:t>
-            </a:fld>
-            <a:endParaRPr lang="de-DE"/>
-          </a:p>
-        </p:txBody>
-      </p:sp>
-      <p:sp>
-        <p:nvSpPr>
-          <p:cNvPr id="11" name="Abgerundetes Rechteck 10"/>
-          <p:cNvSpPr/>
-          <p:nvPr/>
-        </p:nvSpPr>
-        <p:spPr>
-          <a:xfrm>
-            <a:off x="122361" y="6323834"/>
-            <a:ext cx="8882418" cy="432048"/>
-          </a:xfrm>
-          <a:prstGeom prst="roundRect">
-            <a:avLst/>
-          </a:prstGeom>
-          <a:solidFill>
-            <a:schemeClr val="accent1">
-              <a:lumMod val="40000"/>
-              <a:lumOff val="60000"/>
-            </a:schemeClr>
-          </a:solidFill>
-          <a:ln>
-            <a:solidFill>
-              <a:schemeClr val="bg1"/>
-            </a:solidFill>
-          </a:ln>
-        </p:spPr>
-        <p:style>
-          <a:lnRef idx="2">
-            <a:schemeClr val="accent1">
-              <a:shade val="50000"/>
-            </a:schemeClr>
-          </a:lnRef>
-          <a:fillRef idx="1">
-            <a:schemeClr val="accent1"/>
-          </a:fillRef>
-          <a:effectRef idx="0">
-            <a:schemeClr val="accent1"/>
-          </a:effectRef>
-          <a:fontRef idx="minor">
-            <a:schemeClr val="lt1"/>
-          </a:fontRef>
-        </p:style>
-        <p:txBody>
-          <a:bodyPr rtlCol="0" anchor="ctr"/>
-          <a:lstStyle/>
-          <a:p>
-            <a:pPr algn="ctr"/>
-            <a:endParaRPr lang="de-DE"/>
-          </a:p>
-        </p:txBody>
-      </p:sp>
-      <p:graphicFrame>
-        <p:nvGraphicFramePr>
-          <p:cNvPr id="12" name="Tabelle 11"/>
-          <p:cNvGraphicFramePr>
-            <a:graphicFrameLocks noGrp="1"/>
-          </p:cNvGraphicFramePr>
-          <p:nvPr>
-            <p:extLst>
-              <p:ext uri="{D42A27DB-BD31-4B8C-83A1-F6EECF244321}">
-                <p14:modId xmlns:p14="http://schemas.microsoft.com/office/powerpoint/2010/main" val="407728367"/>
-              </p:ext>
-            </p:extLst>
-          </p:nvPr>
-        </p:nvGraphicFramePr>
-        <p:xfrm>
-          <a:off x="139864" y="6343975"/>
-          <a:ext cx="8847412" cy="411907"/>
-        </p:xfrm>
-        <a:graphic>
-          <a:graphicData uri="http://schemas.openxmlformats.org/drawingml/2006/table">
-            <a:tbl>
-              <a:tblPr firstRow="1" bandRow="1">
-                <a:tableStyleId>{5C22544A-7EE6-4342-B048-85BDC9FD1C3A}</a:tableStyleId>
-              </a:tblPr>
-              <a:tblGrid>
-                <a:gridCol w="315979"/>
-                <a:gridCol w="315979"/>
-                <a:gridCol w="315979"/>
-                <a:gridCol w="315979"/>
-                <a:gridCol w="315979"/>
-                <a:gridCol w="315979"/>
-                <a:gridCol w="315979"/>
-                <a:gridCol w="315979"/>
-                <a:gridCol w="315979"/>
-                <a:gridCol w="315979"/>
-                <a:gridCol w="315979"/>
-                <a:gridCol w="315979"/>
-                <a:gridCol w="315979"/>
-                <a:gridCol w="315979"/>
-                <a:gridCol w="315979"/>
-                <a:gridCol w="315979"/>
-                <a:gridCol w="315979"/>
-                <a:gridCol w="315979"/>
-                <a:gridCol w="315979"/>
-                <a:gridCol w="315979"/>
-                <a:gridCol w="315979"/>
-                <a:gridCol w="315979"/>
-                <a:gridCol w="315979"/>
-                <a:gridCol w="315979"/>
-                <a:gridCol w="315979"/>
-                <a:gridCol w="315979"/>
-                <a:gridCol w="315979"/>
-                <a:gridCol w="315979"/>
-              </a:tblGrid>
-              <a:tr h="411907">
-                <a:tc>
-                  <a:txBody>
-                    <a:bodyPr/>
-                    <a:lstStyle/>
-                    <a:p>
-                      <a:endParaRPr lang="de-DE" dirty="0"/>
-                    </a:p>
-                  </a:txBody>
-                  <a:tcPr>
-                    <a:lnL w="12700" cap="flat" cmpd="sng" algn="ctr">
-                      <a:solidFill>
-                        <a:schemeClr val="bg1"/>
-                      </a:solidFill>
-                      <a:prstDash val="solid"/>
-                      <a:round/>
-                      <a:headEnd type="none" w="med" len="med"/>
-                      <a:tailEnd type="none" w="med" len="med"/>
-                    </a:lnL>
-                    <a:lnR w="12700" cap="flat" cmpd="sng" algn="ctr">
-                      <a:solidFill>
-                        <a:schemeClr val="bg1"/>
-                      </a:solidFill>
-                      <a:prstDash val="solid"/>
-                      <a:round/>
-                      <a:headEnd type="none" w="med" len="med"/>
-                      <a:tailEnd type="none" w="med" len="med"/>
-                    </a:lnR>
-                    <a:lnT w="12700" cap="flat" cmpd="sng" algn="ctr">
-                      <a:solidFill>
-                        <a:schemeClr val="bg1"/>
-                      </a:solidFill>
-                      <a:prstDash val="solid"/>
-                      <a:round/>
-                      <a:headEnd type="none" w="med" len="med"/>
-                      <a:tailEnd type="none" w="med" len="med"/>
-                    </a:lnT>
-                    <a:lnB w="12700" cap="flat" cmpd="sng" algn="ctr">
-                      <a:solidFill>
-                        <a:schemeClr val="bg1"/>
-                      </a:solidFill>
-                      <a:prstDash val="solid"/>
-                      <a:round/>
-                      <a:headEnd type="none" w="med" len="med"/>
-                      <a:tailEnd type="none" w="med" len="med"/>
-                    </a:lnB>
-                    <a:lnTlToBr w="12700" cmpd="sng">
-                      <a:noFill/>
-                      <a:prstDash val="solid"/>
-                    </a:lnTlToBr>
-                    <a:lnBlToTr w="12700" cmpd="sng">
-                      <a:noFill/>
-                      <a:prstDash val="solid"/>
-                    </a:lnBlToTr>
-                    <a:solidFill>
-                      <a:schemeClr val="accent1">
-                        <a:lumMod val="60000"/>
-                        <a:lumOff val="40000"/>
-                      </a:schemeClr>
-                    </a:solidFill>
-                  </a:tcPr>
-                </a:tc>
-                <a:tc>
-                  <a:txBody>
-                    <a:bodyPr/>
-                    <a:lstStyle/>
-                    <a:p>
-                      <a:endParaRPr lang="de-DE" dirty="0"/>
-                    </a:p>
-                  </a:txBody>
-                  <a:tcPr>
-                    <a:lnL w="12700" cap="flat" cmpd="sng" algn="ctr">
-                      <a:solidFill>
-                        <a:schemeClr val="bg1"/>
-                      </a:solidFill>
-                      <a:prstDash val="solid"/>
-                      <a:round/>
-                      <a:headEnd type="none" w="med" len="med"/>
-                      <a:tailEnd type="none" w="med" len="med"/>
-                    </a:lnL>
-                    <a:lnR w="12700" cap="flat" cmpd="sng" algn="ctr">
-                      <a:solidFill>
-                        <a:schemeClr val="bg1"/>
-                      </a:solidFill>
-                      <a:prstDash val="solid"/>
-                      <a:round/>
-                      <a:headEnd type="none" w="med" len="med"/>
-                      <a:tailEnd type="none" w="med" len="med"/>
-                    </a:lnR>
-                    <a:lnT w="12700" cap="flat" cmpd="sng" algn="ctr">
-                      <a:solidFill>
-                        <a:schemeClr val="bg1"/>
-                      </a:solidFill>
-                      <a:prstDash val="solid"/>
-                      <a:round/>
-                      <a:headEnd type="none" w="med" len="med"/>
-                      <a:tailEnd type="none" w="med" len="med"/>
-                    </a:lnT>
-                    <a:lnB w="12700" cap="flat" cmpd="sng" algn="ctr">
-                      <a:solidFill>
-                        <a:schemeClr val="bg1"/>
-                      </a:solidFill>
-                      <a:prstDash val="solid"/>
-                      <a:round/>
-                      <a:headEnd type="none" w="med" len="med"/>
-                      <a:tailEnd type="none" w="med" len="med"/>
-                    </a:lnB>
-                    <a:lnTlToBr w="12700" cmpd="sng">
-                      <a:noFill/>
-                      <a:prstDash val="solid"/>
-                    </a:lnTlToBr>
-                    <a:lnBlToTr w="12700" cmpd="sng">
-                      <a:noFill/>
-                      <a:prstDash val="solid"/>
-                    </a:lnBlToTr>
-                    <a:solidFill>
-                      <a:schemeClr val="accent1">
-                        <a:lumMod val="60000"/>
-                        <a:lumOff val="40000"/>
-                      </a:schemeClr>
-                    </a:solidFill>
-                  </a:tcPr>
-                </a:tc>
-                <a:tc>
-                  <a:txBody>
-                    <a:bodyPr/>
-                    <a:lstStyle/>
-                    <a:p>
-                      <a:endParaRPr lang="de-DE" dirty="0"/>
-                    </a:p>
-                  </a:txBody>
-                  <a:tcPr>
-                    <a:lnL w="12700" cap="flat" cmpd="sng" algn="ctr">
-                      <a:solidFill>
-                        <a:schemeClr val="bg1"/>
-                      </a:solidFill>
-                      <a:prstDash val="solid"/>
-                      <a:round/>
-                      <a:headEnd type="none" w="med" len="med"/>
-                      <a:tailEnd type="none" w="med" len="med"/>
-                    </a:lnL>
-                    <a:lnR w="57150" cap="flat" cmpd="sng" algn="ctr">
-                      <a:solidFill>
-                        <a:schemeClr val="bg1"/>
-                      </a:solidFill>
-                      <a:prstDash val="solid"/>
-                      <a:round/>
-                      <a:headEnd type="none" w="med" len="med"/>
-                      <a:tailEnd type="none" w="med" len="med"/>
-                    </a:lnR>
-                    <a:lnT w="12700" cap="flat" cmpd="sng" algn="ctr">
-                      <a:solidFill>
-                        <a:schemeClr val="bg1"/>
-                      </a:solidFill>
-                      <a:prstDash val="solid"/>
-                      <a:round/>
-                      <a:headEnd type="none" w="med" len="med"/>
-                      <a:tailEnd type="none" w="med" len="med"/>
-                    </a:lnT>
-                    <a:lnB w="12700" cap="flat" cmpd="sng" algn="ctr">
-                      <a:solidFill>
-                        <a:schemeClr val="bg1"/>
-                      </a:solidFill>
-                      <a:prstDash val="solid"/>
-                      <a:round/>
-                      <a:headEnd type="none" w="med" len="med"/>
-                      <a:tailEnd type="none" w="med" len="med"/>
-                    </a:lnB>
-                    <a:lnTlToBr w="12700" cmpd="sng">
-                      <a:noFill/>
-                      <a:prstDash val="solid"/>
-                    </a:lnTlToBr>
-                    <a:lnBlToTr w="12700" cmpd="sng">
-                      <a:noFill/>
-                      <a:prstDash val="solid"/>
-                    </a:lnBlToTr>
-                    <a:solidFill>
-                      <a:schemeClr val="accent1">
-                        <a:lumMod val="60000"/>
-                        <a:lumOff val="40000"/>
-                      </a:schemeClr>
-                    </a:solidFill>
-                  </a:tcPr>
-                </a:tc>
-                <a:tc>
-                  <a:txBody>
-                    <a:bodyPr/>
-                    <a:lstStyle/>
-                    <a:p>
-                      <a:endParaRPr lang="de-DE" dirty="0"/>
-                    </a:p>
-                  </a:txBody>
-                  <a:tcPr>
-                    <a:lnL w="57150" cap="flat" cmpd="sng" algn="ctr">
-                      <a:solidFill>
-                        <a:schemeClr val="bg1"/>
-                      </a:solidFill>
-                      <a:prstDash val="solid"/>
-                      <a:round/>
-                      <a:headEnd type="none" w="med" len="med"/>
-                      <a:tailEnd type="none" w="med" len="med"/>
-                    </a:lnL>
-                    <a:lnR w="12700" cap="flat" cmpd="sng" algn="ctr">
-                      <a:solidFill>
-                        <a:schemeClr val="bg1"/>
-                      </a:solidFill>
-                      <a:prstDash val="solid"/>
-                      <a:round/>
-                      <a:headEnd type="none" w="med" len="med"/>
-                      <a:tailEnd type="none" w="med" len="med"/>
-                    </a:lnR>
-                    <a:lnT w="12700" cap="flat" cmpd="sng" algn="ctr">
-                      <a:solidFill>
-                        <a:schemeClr val="bg1"/>
-                      </a:solidFill>
-                      <a:prstDash val="solid"/>
-                      <a:round/>
-                      <a:headEnd type="none" w="med" len="med"/>
-                      <a:tailEnd type="none" w="med" len="med"/>
-                    </a:lnT>
-                    <a:lnB w="12700" cap="flat" cmpd="sng" algn="ctr">
-                      <a:solidFill>
-                        <a:schemeClr val="bg1"/>
-                      </a:solidFill>
-                      <a:prstDash val="solid"/>
-                      <a:round/>
-                      <a:headEnd type="none" w="med" len="med"/>
-                      <a:tailEnd type="none" w="med" len="med"/>
-                    </a:lnB>
-                    <a:lnTlToBr w="12700" cmpd="sng">
-                      <a:noFill/>
-                      <a:prstDash val="solid"/>
-                    </a:lnTlToBr>
-                    <a:lnBlToTr w="12700" cmpd="sng">
-                      <a:noFill/>
-                      <a:prstDash val="solid"/>
-                    </a:lnBlToTr>
-                    <a:solidFill>
-                      <a:schemeClr val="accent1">
-                        <a:lumMod val="60000"/>
-                        <a:lumOff val="40000"/>
-                      </a:schemeClr>
-                    </a:solidFill>
-                  </a:tcPr>
-                </a:tc>
-                <a:tc>
-                  <a:txBody>
-                    <a:bodyPr/>
-                    <a:lstStyle/>
-                    <a:p>
-                      <a:endParaRPr lang="de-DE" dirty="0"/>
-                    </a:p>
-                  </a:txBody>
-                  <a:tcPr>
-                    <a:lnL w="12700" cap="flat" cmpd="sng" algn="ctr">
-                      <a:solidFill>
-                        <a:schemeClr val="bg1"/>
-                      </a:solidFill>
-                      <a:prstDash val="solid"/>
-                      <a:round/>
-                      <a:headEnd type="none" w="med" len="med"/>
-                      <a:tailEnd type="none" w="med" len="med"/>
-                    </a:lnL>
-                    <a:lnR w="12700" cap="flat" cmpd="sng" algn="ctr">
-                      <a:solidFill>
-                        <a:schemeClr val="bg1"/>
-                      </a:solidFill>
-                      <a:prstDash val="solid"/>
-                      <a:round/>
-                      <a:headEnd type="none" w="med" len="med"/>
-                      <a:tailEnd type="none" w="med" len="med"/>
-                    </a:lnR>
-                    <a:lnT w="12700" cap="flat" cmpd="sng" algn="ctr">
-                      <a:solidFill>
-                        <a:schemeClr val="bg1"/>
-                      </a:solidFill>
-                      <a:prstDash val="solid"/>
-                      <a:round/>
-                      <a:headEnd type="none" w="med" len="med"/>
-                      <a:tailEnd type="none" w="med" len="med"/>
-                    </a:lnT>
-                    <a:lnB w="12700" cap="flat" cmpd="sng" algn="ctr">
-                      <a:solidFill>
-                        <a:schemeClr val="bg1"/>
-                      </a:solidFill>
-                      <a:prstDash val="solid"/>
-                      <a:round/>
-                      <a:headEnd type="none" w="med" len="med"/>
-                      <a:tailEnd type="none" w="med" len="med"/>
-                    </a:lnB>
-                    <a:lnTlToBr w="12700" cmpd="sng">
-                      <a:noFill/>
-                      <a:prstDash val="solid"/>
-                    </a:lnTlToBr>
-                    <a:lnBlToTr w="12700" cmpd="sng">
-                      <a:noFill/>
-                      <a:prstDash val="solid"/>
-                    </a:lnBlToTr>
-                    <a:solidFill>
-                      <a:schemeClr val="accent1">
-                        <a:lumMod val="60000"/>
-                        <a:lumOff val="40000"/>
-                      </a:schemeClr>
-                    </a:solidFill>
-                  </a:tcPr>
-                </a:tc>
-                <a:tc>
-                  <a:txBody>
-                    <a:bodyPr/>
-                    <a:lstStyle/>
-                    <a:p>
-                      <a:endParaRPr lang="de-DE" dirty="0"/>
-                    </a:p>
-                  </a:txBody>
-                  <a:tcPr>
-                    <a:lnL w="12700" cap="flat" cmpd="sng" algn="ctr">
-                      <a:solidFill>
-                        <a:schemeClr val="bg1"/>
-                      </a:solidFill>
-                      <a:prstDash val="solid"/>
-                      <a:round/>
-                      <a:headEnd type="none" w="med" len="med"/>
-                      <a:tailEnd type="none" w="med" len="med"/>
-                    </a:lnL>
-                    <a:lnR w="12700" cap="flat" cmpd="sng" algn="ctr">
-                      <a:solidFill>
-                        <a:schemeClr val="bg1"/>
-                      </a:solidFill>
-                      <a:prstDash val="solid"/>
-                      <a:round/>
-                      <a:headEnd type="none" w="med" len="med"/>
-                      <a:tailEnd type="none" w="med" len="med"/>
-                    </a:lnR>
-                    <a:lnT w="12700" cap="flat" cmpd="sng" algn="ctr">
-                      <a:solidFill>
-                        <a:schemeClr val="bg1"/>
-                      </a:solidFill>
-                      <a:prstDash val="solid"/>
-                      <a:round/>
-                      <a:headEnd type="none" w="med" len="med"/>
-                      <a:tailEnd type="none" w="med" len="med"/>
-                    </a:lnT>
-                    <a:lnB w="12700" cap="flat" cmpd="sng" algn="ctr">
-                      <a:solidFill>
-                        <a:schemeClr val="bg1"/>
-                      </a:solidFill>
-                      <a:prstDash val="solid"/>
-                      <a:round/>
-                      <a:headEnd type="none" w="med" len="med"/>
-                      <a:tailEnd type="none" w="med" len="med"/>
-                    </a:lnB>
-                    <a:lnTlToBr w="12700" cmpd="sng">
-                      <a:noFill/>
-                      <a:prstDash val="solid"/>
-                    </a:lnTlToBr>
-                    <a:lnBlToTr w="12700" cmpd="sng">
-                      <a:noFill/>
-                      <a:prstDash val="solid"/>
-                    </a:lnBlToTr>
-                    <a:solidFill>
-                      <a:schemeClr val="accent1">
-                        <a:lumMod val="60000"/>
-                        <a:lumOff val="40000"/>
-                      </a:schemeClr>
-                    </a:solidFill>
-                  </a:tcPr>
-                </a:tc>
-                <a:tc>
-                  <a:txBody>
-                    <a:bodyPr/>
-                    <a:lstStyle/>
-                    <a:p>
-                      <a:endParaRPr lang="de-DE"/>
-                    </a:p>
-                  </a:txBody>
-                  <a:tcPr>
-                    <a:lnL w="12700" cap="flat" cmpd="sng" algn="ctr">
-                      <a:solidFill>
-                        <a:schemeClr val="bg1"/>
-                      </a:solidFill>
-                      <a:prstDash val="solid"/>
-                      <a:round/>
-                      <a:headEnd type="none" w="med" len="med"/>
-                      <a:tailEnd type="none" w="med" len="med"/>
-                    </a:lnL>
-                    <a:lnR w="12700" cap="flat" cmpd="sng" algn="ctr">
-                      <a:solidFill>
-                        <a:schemeClr val="bg1"/>
-                      </a:solidFill>
-                      <a:prstDash val="solid"/>
-                      <a:round/>
-                      <a:headEnd type="none" w="med" len="med"/>
-                      <a:tailEnd type="none" w="med" len="med"/>
-                    </a:lnR>
-                    <a:lnT w="12700" cap="flat" cmpd="sng" algn="ctr">
-                      <a:solidFill>
-                        <a:schemeClr val="bg1"/>
-                      </a:solidFill>
-                      <a:prstDash val="solid"/>
-                      <a:round/>
-                      <a:headEnd type="none" w="med" len="med"/>
-                      <a:tailEnd type="none" w="med" len="med"/>
-                    </a:lnT>
-                    <a:lnB w="12700" cap="flat" cmpd="sng" algn="ctr">
-                      <a:solidFill>
-                        <a:schemeClr val="bg1"/>
-                      </a:solidFill>
-                      <a:prstDash val="solid"/>
-                      <a:round/>
-                      <a:headEnd type="none" w="med" len="med"/>
-                      <a:tailEnd type="none" w="med" len="med"/>
-                    </a:lnB>
-                    <a:lnTlToBr w="12700" cmpd="sng">
-                      <a:noFill/>
-                      <a:prstDash val="solid"/>
-                    </a:lnTlToBr>
-                    <a:lnBlToTr w="12700" cmpd="sng">
-                      <a:noFill/>
-                      <a:prstDash val="solid"/>
-                    </a:lnBlToTr>
-                    <a:solidFill>
-                      <a:schemeClr val="accent1">
-                        <a:lumMod val="50000"/>
-                      </a:schemeClr>
-                    </a:solidFill>
-                  </a:tcPr>
-                </a:tc>
-                <a:tc>
-                  <a:txBody>
-                    <a:bodyPr/>
-                    <a:lstStyle/>
-                    <a:p>
-                      <a:endParaRPr lang="de-DE"/>
-                    </a:p>
-                  </a:txBody>
-                  <a:tcPr>
-                    <a:lnL w="12700" cap="flat" cmpd="sng" algn="ctr">
-                      <a:solidFill>
-                        <a:schemeClr val="bg1"/>
-                      </a:solidFill>
-                      <a:prstDash val="solid"/>
-                      <a:round/>
-                      <a:headEnd type="none" w="med" len="med"/>
-                      <a:tailEnd type="none" w="med" len="med"/>
-                    </a:lnL>
-                    <a:lnR w="12700" cap="flat" cmpd="sng" algn="ctr">
-                      <a:solidFill>
-                        <a:schemeClr val="bg1"/>
-                      </a:solidFill>
-                      <a:prstDash val="solid"/>
-                      <a:round/>
-                      <a:headEnd type="none" w="med" len="med"/>
-                      <a:tailEnd type="none" w="med" len="med"/>
-                    </a:lnR>
-                    <a:lnT w="12700" cap="flat" cmpd="sng" algn="ctr">
-                      <a:solidFill>
-                        <a:schemeClr val="bg1"/>
-                      </a:solidFill>
-                      <a:prstDash val="solid"/>
-                      <a:round/>
-                      <a:headEnd type="none" w="med" len="med"/>
-                      <a:tailEnd type="none" w="med" len="med"/>
-                    </a:lnT>
-                    <a:lnB w="12700" cap="flat" cmpd="sng" algn="ctr">
-                      <a:solidFill>
-                        <a:schemeClr val="bg1"/>
-                      </a:solidFill>
-                      <a:prstDash val="solid"/>
-                      <a:round/>
-                      <a:headEnd type="none" w="med" len="med"/>
-                      <a:tailEnd type="none" w="med" len="med"/>
-                    </a:lnB>
-                    <a:lnTlToBr w="12700" cmpd="sng">
-                      <a:noFill/>
-                      <a:prstDash val="solid"/>
-                    </a:lnTlToBr>
-                    <a:lnBlToTr w="12700" cmpd="sng">
-                      <a:noFill/>
-                      <a:prstDash val="solid"/>
-                    </a:lnBlToTr>
-                    <a:solidFill>
-                      <a:schemeClr val="accent1">
-                        <a:lumMod val="50000"/>
-                      </a:schemeClr>
-                    </a:solidFill>
-                  </a:tcPr>
-                </a:tc>
-                <a:tc>
-                  <a:txBody>
-                    <a:bodyPr/>
-                    <a:lstStyle/>
-                    <a:p>
-                      <a:endParaRPr lang="de-DE"/>
-                    </a:p>
-                  </a:txBody>
-                  <a:tcPr>
-                    <a:lnL w="12700" cap="flat" cmpd="sng" algn="ctr">
-                      <a:solidFill>
-                        <a:schemeClr val="bg1"/>
-                      </a:solidFill>
-                      <a:prstDash val="solid"/>
-                      <a:round/>
-                      <a:headEnd type="none" w="med" len="med"/>
-                      <a:tailEnd type="none" w="med" len="med"/>
-                    </a:lnL>
-                    <a:lnR w="12700" cap="flat" cmpd="sng" algn="ctr">
-                      <a:solidFill>
-                        <a:schemeClr val="bg1"/>
-                      </a:solidFill>
-                      <a:prstDash val="solid"/>
-                      <a:round/>
-                      <a:headEnd type="none" w="med" len="med"/>
-                      <a:tailEnd type="none" w="med" len="med"/>
-                    </a:lnR>
-                    <a:lnT w="12700" cap="flat" cmpd="sng" algn="ctr">
-                      <a:solidFill>
-                        <a:schemeClr val="bg1"/>
-                      </a:solidFill>
-                      <a:prstDash val="solid"/>
-                      <a:round/>
-                      <a:headEnd type="none" w="med" len="med"/>
-                      <a:tailEnd type="none" w="med" len="med"/>
-                    </a:lnT>
-                    <a:lnB w="12700" cap="flat" cmpd="sng" algn="ctr">
-                      <a:solidFill>
-                        <a:schemeClr val="bg1"/>
-                      </a:solidFill>
-                      <a:prstDash val="solid"/>
-                      <a:round/>
-                      <a:headEnd type="none" w="med" len="med"/>
-                      <a:tailEnd type="none" w="med" len="med"/>
-                    </a:lnB>
-                    <a:lnTlToBr w="12700" cmpd="sng">
-                      <a:noFill/>
-                      <a:prstDash val="solid"/>
-                    </a:lnTlToBr>
-                    <a:lnBlToTr w="12700" cmpd="sng">
-                      <a:noFill/>
-                      <a:prstDash val="solid"/>
-                    </a:lnBlToTr>
-                    <a:solidFill>
-                      <a:schemeClr val="accent1">
-                        <a:lumMod val="50000"/>
-                      </a:schemeClr>
-                    </a:solidFill>
-                  </a:tcPr>
-                </a:tc>
-                <a:tc>
-                  <a:txBody>
-                    <a:bodyPr/>
-                    <a:lstStyle/>
-                    <a:p>
-                      <a:endParaRPr lang="de-DE"/>
-                    </a:p>
-                  </a:txBody>
-                  <a:tcPr>
-                    <a:lnL w="12700" cap="flat" cmpd="sng" algn="ctr">
-                      <a:solidFill>
-                        <a:schemeClr val="bg1"/>
-                      </a:solidFill>
-                      <a:prstDash val="solid"/>
-                      <a:round/>
-                      <a:headEnd type="none" w="med" len="med"/>
-                      <a:tailEnd type="none" w="med" len="med"/>
-                    </a:lnL>
-                    <a:lnR w="12700" cap="flat" cmpd="sng" algn="ctr">
-                      <a:solidFill>
-                        <a:schemeClr val="bg1"/>
-                      </a:solidFill>
-                      <a:prstDash val="solid"/>
-                      <a:round/>
-                      <a:headEnd type="none" w="med" len="med"/>
-                      <a:tailEnd type="none" w="med" len="med"/>
-                    </a:lnR>
-                    <a:lnT w="12700" cap="flat" cmpd="sng" algn="ctr">
-                      <a:solidFill>
-                        <a:schemeClr val="bg1"/>
-                      </a:solidFill>
-                      <a:prstDash val="solid"/>
-                      <a:round/>
-                      <a:headEnd type="none" w="med" len="med"/>
-                      <a:tailEnd type="none" w="med" len="med"/>
-                    </a:lnT>
-                    <a:lnB w="12700" cap="flat" cmpd="sng" algn="ctr">
-                      <a:solidFill>
-                        <a:schemeClr val="bg1"/>
-                      </a:solidFill>
-                      <a:prstDash val="solid"/>
-                      <a:round/>
-                      <a:headEnd type="none" w="med" len="med"/>
-                      <a:tailEnd type="none" w="med" len="med"/>
-                    </a:lnB>
-                    <a:lnTlToBr w="12700" cmpd="sng">
-                      <a:noFill/>
-                      <a:prstDash val="solid"/>
-                    </a:lnTlToBr>
-                    <a:lnBlToTr w="12700" cmpd="sng">
-                      <a:noFill/>
-                      <a:prstDash val="solid"/>
-                    </a:lnBlToTr>
-                    <a:solidFill>
-                      <a:schemeClr val="accent1">
-                        <a:lumMod val="50000"/>
-                      </a:schemeClr>
-                    </a:solidFill>
-                  </a:tcPr>
-                </a:tc>
-                <a:tc>
-                  <a:txBody>
-                    <a:bodyPr/>
-                    <a:lstStyle/>
-                    <a:p>
-                      <a:endParaRPr lang="de-DE"/>
-                    </a:p>
-                  </a:txBody>
-                  <a:tcPr>
-                    <a:lnL w="12700" cap="flat" cmpd="sng" algn="ctr">
-                      <a:solidFill>
-                        <a:schemeClr val="bg1"/>
-                      </a:solidFill>
-                      <a:prstDash val="solid"/>
-                      <a:round/>
-                      <a:headEnd type="none" w="med" len="med"/>
-                      <a:tailEnd type="none" w="med" len="med"/>
-                    </a:lnL>
-                    <a:lnR w="12700" cap="flat" cmpd="sng" algn="ctr">
-                      <a:solidFill>
-                        <a:schemeClr val="bg1"/>
-                      </a:solidFill>
-                      <a:prstDash val="solid"/>
-                      <a:round/>
-                      <a:headEnd type="none" w="med" len="med"/>
-                      <a:tailEnd type="none" w="med" len="med"/>
-                    </a:lnR>
-                    <a:lnT w="12700" cap="flat" cmpd="sng" algn="ctr">
-                      <a:solidFill>
-                        <a:schemeClr val="bg1"/>
-                      </a:solidFill>
-                      <a:prstDash val="solid"/>
-                      <a:round/>
-                      <a:headEnd type="none" w="med" len="med"/>
-                      <a:tailEnd type="none" w="med" len="med"/>
-                    </a:lnT>
-                    <a:lnB w="12700" cap="flat" cmpd="sng" algn="ctr">
-                      <a:solidFill>
-                        <a:schemeClr val="bg1"/>
-                      </a:solidFill>
-                      <a:prstDash val="solid"/>
-                      <a:round/>
-                      <a:headEnd type="none" w="med" len="med"/>
-                      <a:tailEnd type="none" w="med" len="med"/>
-                    </a:lnB>
-                    <a:lnTlToBr w="12700" cmpd="sng">
-                      <a:noFill/>
-                      <a:prstDash val="solid"/>
-                    </a:lnTlToBr>
-                    <a:lnBlToTr w="12700" cmpd="sng">
-                      <a:noFill/>
-                      <a:prstDash val="solid"/>
-                    </a:lnBlToTr>
-                    <a:solidFill>
-                      <a:schemeClr val="accent1">
-                        <a:lumMod val="50000"/>
-                      </a:schemeClr>
-                    </a:solidFill>
-                  </a:tcPr>
-                </a:tc>
-                <a:tc>
-                  <a:txBody>
-                    <a:bodyPr/>
-                    <a:lstStyle/>
-                    <a:p>
-                      <a:endParaRPr lang="de-DE" dirty="0"/>
-                    </a:p>
-                  </a:txBody>
-                  <a:tcPr>
-                    <a:lnL w="12700" cap="flat" cmpd="sng" algn="ctr">
-                      <a:solidFill>
-                        <a:schemeClr val="bg1"/>
-                      </a:solidFill>
-                      <a:prstDash val="solid"/>
-                      <a:round/>
-                      <a:headEnd type="none" w="med" len="med"/>
-                      <a:tailEnd type="none" w="med" len="med"/>
-                    </a:lnL>
-                    <a:lnR w="57150" cap="flat" cmpd="sng" algn="ctr">
-                      <a:solidFill>
-                        <a:schemeClr val="bg1"/>
-                      </a:solidFill>
-                      <a:prstDash val="solid"/>
-                      <a:round/>
-                      <a:headEnd type="none" w="med" len="med"/>
-                      <a:tailEnd type="none" w="med" len="med"/>
-                    </a:lnR>
-                    <a:lnT w="12700" cap="flat" cmpd="sng" algn="ctr">
-                      <a:solidFill>
-                        <a:schemeClr val="bg1"/>
-                      </a:solidFill>
-                      <a:prstDash val="solid"/>
-                      <a:round/>
-                      <a:headEnd type="none" w="med" len="med"/>
-                      <a:tailEnd type="none" w="med" len="med"/>
-                    </a:lnT>
-                    <a:lnB w="12700" cap="flat" cmpd="sng" algn="ctr">
-                      <a:solidFill>
-                        <a:schemeClr val="bg1"/>
-                      </a:solidFill>
-                      <a:prstDash val="solid"/>
-                      <a:round/>
-                      <a:headEnd type="none" w="med" len="med"/>
-                      <a:tailEnd type="none" w="med" len="med"/>
-                    </a:lnB>
-                    <a:lnTlToBr w="12700" cmpd="sng">
-                      <a:noFill/>
-                      <a:prstDash val="solid"/>
-                    </a:lnTlToBr>
-                    <a:lnBlToTr w="12700" cmpd="sng">
-                      <a:noFill/>
-                      <a:prstDash val="solid"/>
-                    </a:lnBlToTr>
-                    <a:solidFill>
-                      <a:schemeClr val="accent1">
-                        <a:lumMod val="50000"/>
-                      </a:schemeClr>
-                    </a:solidFill>
-                  </a:tcPr>
-                </a:tc>
-                <a:tc>
-                  <a:txBody>
-                    <a:bodyPr/>
-                    <a:lstStyle/>
-                    <a:p>
-                      <a:endParaRPr lang="de-DE"/>
-                    </a:p>
-                  </a:txBody>
-                  <a:tcPr>
-                    <a:lnL w="57150" cap="flat" cmpd="sng" algn="ctr">
-                      <a:solidFill>
-                        <a:schemeClr val="bg1"/>
-                      </a:solidFill>
-                      <a:prstDash val="solid"/>
-                      <a:round/>
-                      <a:headEnd type="none" w="med" len="med"/>
-                      <a:tailEnd type="none" w="med" len="med"/>
-                    </a:lnL>
-                    <a:lnR w="12700" cap="flat" cmpd="sng" algn="ctr">
-                      <a:solidFill>
-                        <a:schemeClr val="bg1"/>
-                      </a:solidFill>
-                      <a:prstDash val="solid"/>
-                      <a:round/>
-                      <a:headEnd type="none" w="med" len="med"/>
-                      <a:tailEnd type="none" w="med" len="med"/>
-                    </a:lnR>
-                    <a:lnT w="12700" cap="flat" cmpd="sng" algn="ctr">
-                      <a:solidFill>
-                        <a:schemeClr val="bg1"/>
-                      </a:solidFill>
-                      <a:prstDash val="solid"/>
-                      <a:round/>
-                      <a:headEnd type="none" w="med" len="med"/>
-                      <a:tailEnd type="none" w="med" len="med"/>
-                    </a:lnT>
-                    <a:lnB w="12700" cap="flat" cmpd="sng" algn="ctr">
-                      <a:solidFill>
-                        <a:schemeClr val="bg1"/>
-                      </a:solidFill>
-                      <a:prstDash val="solid"/>
-                      <a:round/>
-                      <a:headEnd type="none" w="med" len="med"/>
-                      <a:tailEnd type="none" w="med" len="med"/>
-                    </a:lnB>
-                    <a:lnTlToBr w="12700" cmpd="sng">
-                      <a:noFill/>
-                      <a:prstDash val="solid"/>
-                    </a:lnTlToBr>
-                    <a:lnBlToTr w="12700" cmpd="sng">
-                      <a:noFill/>
-                      <a:prstDash val="solid"/>
-                    </a:lnBlToTr>
-                    <a:solidFill>
-                      <a:schemeClr val="accent1">
-                        <a:lumMod val="50000"/>
-                      </a:schemeClr>
-                    </a:solidFill>
-                  </a:tcPr>
-                </a:tc>
-                <a:tc>
-                  <a:txBody>
-                    <a:bodyPr/>
-                    <a:lstStyle/>
-                    <a:p>
-                      <a:endParaRPr lang="de-DE"/>
-                    </a:p>
-                  </a:txBody>
-                  <a:tcPr>
-                    <a:lnL w="12700" cap="flat" cmpd="sng" algn="ctr">
-                      <a:solidFill>
-                        <a:schemeClr val="bg1"/>
-                      </a:solidFill>
-                      <a:prstDash val="solid"/>
-                      <a:round/>
-                      <a:headEnd type="none" w="med" len="med"/>
-                      <a:tailEnd type="none" w="med" len="med"/>
-                    </a:lnL>
-                    <a:lnR w="12700" cap="flat" cmpd="sng" algn="ctr">
-                      <a:solidFill>
-                        <a:schemeClr val="bg1"/>
-                      </a:solidFill>
-                      <a:prstDash val="solid"/>
-                      <a:round/>
-                      <a:headEnd type="none" w="med" len="med"/>
-                      <a:tailEnd type="none" w="med" len="med"/>
-                    </a:lnR>
-                    <a:lnT w="12700" cap="flat" cmpd="sng" algn="ctr">
-                      <a:solidFill>
-                        <a:schemeClr val="bg1"/>
-                      </a:solidFill>
-                      <a:prstDash val="solid"/>
-                      <a:round/>
-                      <a:headEnd type="none" w="med" len="med"/>
-                      <a:tailEnd type="none" w="med" len="med"/>
-                    </a:lnT>
-                    <a:lnB w="12700" cap="flat" cmpd="sng" algn="ctr">
-                      <a:solidFill>
-                        <a:schemeClr val="bg1"/>
-                      </a:solidFill>
-                      <a:prstDash val="solid"/>
-                      <a:round/>
-                      <a:headEnd type="none" w="med" len="med"/>
-                      <a:tailEnd type="none" w="med" len="med"/>
-                    </a:lnB>
-                    <a:lnTlToBr w="12700" cmpd="sng">
-                      <a:noFill/>
-                      <a:prstDash val="solid"/>
-                    </a:lnTlToBr>
-                    <a:lnBlToTr w="12700" cmpd="sng">
-                      <a:noFill/>
-                      <a:prstDash val="solid"/>
-                    </a:lnBlToTr>
-                    <a:solidFill>
-                      <a:schemeClr val="accent1">
-                        <a:lumMod val="50000"/>
-                      </a:schemeClr>
-                    </a:solidFill>
-                  </a:tcPr>
-                </a:tc>
-                <a:tc>
-                  <a:txBody>
-                    <a:bodyPr/>
-                    <a:lstStyle/>
-                    <a:p>
-                      <a:endParaRPr lang="de-DE"/>
-                    </a:p>
-                  </a:txBody>
-                  <a:tcPr>
-                    <a:lnL w="12700" cap="flat" cmpd="sng" algn="ctr">
-                      <a:solidFill>
-                        <a:schemeClr val="bg1"/>
-                      </a:solidFill>
-                      <a:prstDash val="solid"/>
-                      <a:round/>
-                      <a:headEnd type="none" w="med" len="med"/>
-                      <a:tailEnd type="none" w="med" len="med"/>
-                    </a:lnL>
-                    <a:lnR w="12700" cap="flat" cmpd="sng" algn="ctr">
-                      <a:solidFill>
-                        <a:schemeClr val="bg1"/>
-                      </a:solidFill>
-                      <a:prstDash val="solid"/>
-                      <a:round/>
-                      <a:headEnd type="none" w="med" len="med"/>
-                      <a:tailEnd type="none" w="med" len="med"/>
-                    </a:lnR>
-                    <a:lnT w="12700" cap="flat" cmpd="sng" algn="ctr">
-                      <a:solidFill>
-                        <a:schemeClr val="bg1"/>
-                      </a:solidFill>
-                      <a:prstDash val="solid"/>
-                      <a:round/>
-                      <a:headEnd type="none" w="med" len="med"/>
-                      <a:tailEnd type="none" w="med" len="med"/>
-                    </a:lnT>
-                    <a:lnB w="12700" cap="flat" cmpd="sng" algn="ctr">
-                      <a:solidFill>
-                        <a:schemeClr val="bg1"/>
-                      </a:solidFill>
-                      <a:prstDash val="solid"/>
-                      <a:round/>
-                      <a:headEnd type="none" w="med" len="med"/>
-                      <a:tailEnd type="none" w="med" len="med"/>
-                    </a:lnB>
-                    <a:lnTlToBr w="12700" cmpd="sng">
-                      <a:noFill/>
-                      <a:prstDash val="solid"/>
-                    </a:lnTlToBr>
-                    <a:lnBlToTr w="12700" cmpd="sng">
-                      <a:noFill/>
-                      <a:prstDash val="solid"/>
-                    </a:lnBlToTr>
-                    <a:solidFill>
-                      <a:schemeClr val="accent1">
-                        <a:lumMod val="50000"/>
-                      </a:schemeClr>
-                    </a:solidFill>
-                  </a:tcPr>
-                </a:tc>
-                <a:tc>
-                  <a:txBody>
-                    <a:bodyPr/>
-                    <a:lstStyle/>
-                    <a:p>
-                      <a:endParaRPr lang="de-DE"/>
-                    </a:p>
-                  </a:txBody>
-                  <a:tcPr>
-                    <a:lnL w="12700" cap="flat" cmpd="sng" algn="ctr">
-                      <a:solidFill>
-                        <a:schemeClr val="bg1"/>
-                      </a:solidFill>
-                      <a:prstDash val="solid"/>
-                      <a:round/>
-                      <a:headEnd type="none" w="med" len="med"/>
-                      <a:tailEnd type="none" w="med" len="med"/>
-                    </a:lnL>
-                    <a:lnR w="12700" cap="flat" cmpd="sng" algn="ctr">
-                      <a:solidFill>
-                        <a:schemeClr val="bg1"/>
-                      </a:solidFill>
-                      <a:prstDash val="solid"/>
-                      <a:round/>
-                      <a:headEnd type="none" w="med" len="med"/>
-                      <a:tailEnd type="none" w="med" len="med"/>
-                    </a:lnR>
-                    <a:lnT w="12700" cap="flat" cmpd="sng" algn="ctr">
-                      <a:solidFill>
-                        <a:schemeClr val="bg1"/>
-                      </a:solidFill>
-                      <a:prstDash val="solid"/>
-                      <a:round/>
-                      <a:headEnd type="none" w="med" len="med"/>
-                      <a:tailEnd type="none" w="med" len="med"/>
-                    </a:lnT>
-                    <a:lnB w="12700" cap="flat" cmpd="sng" algn="ctr">
-                      <a:solidFill>
-                        <a:schemeClr val="bg1"/>
-                      </a:solidFill>
-                      <a:prstDash val="solid"/>
-                      <a:round/>
-                      <a:headEnd type="none" w="med" len="med"/>
-                      <a:tailEnd type="none" w="med" len="med"/>
-                    </a:lnB>
-                    <a:lnTlToBr w="12700" cmpd="sng">
-                      <a:noFill/>
-                      <a:prstDash val="solid"/>
-                    </a:lnTlToBr>
-                    <a:lnBlToTr w="12700" cmpd="sng">
-                      <a:noFill/>
-                      <a:prstDash val="solid"/>
-                    </a:lnBlToTr>
-                    <a:solidFill>
-                      <a:schemeClr val="accent1">
-                        <a:lumMod val="50000"/>
-                      </a:schemeClr>
-                    </a:solidFill>
-                  </a:tcPr>
-                </a:tc>
-                <a:tc>
-                  <a:txBody>
-                    <a:bodyPr/>
-                    <a:lstStyle/>
-                    <a:p>
-                      <a:endParaRPr lang="de-DE"/>
-                    </a:p>
-                  </a:txBody>
-                  <a:tcPr>
-                    <a:lnL w="12700" cap="flat" cmpd="sng" algn="ctr">
-                      <a:solidFill>
-                        <a:schemeClr val="bg1"/>
-                      </a:solidFill>
-                      <a:prstDash val="solid"/>
-                      <a:round/>
-                      <a:headEnd type="none" w="med" len="med"/>
-                      <a:tailEnd type="none" w="med" len="med"/>
-                    </a:lnL>
-                    <a:lnR w="12700" cap="flat" cmpd="sng" algn="ctr">
-                      <a:solidFill>
-                        <a:schemeClr val="bg1"/>
-                      </a:solidFill>
-                      <a:prstDash val="solid"/>
-                      <a:round/>
-                      <a:headEnd type="none" w="med" len="med"/>
-                      <a:tailEnd type="none" w="med" len="med"/>
-                    </a:lnR>
-                    <a:lnT w="12700" cap="flat" cmpd="sng" algn="ctr">
-                      <a:solidFill>
-                        <a:schemeClr val="bg1"/>
-                      </a:solidFill>
-                      <a:prstDash val="solid"/>
-                      <a:round/>
-                      <a:headEnd type="none" w="med" len="med"/>
-                      <a:tailEnd type="none" w="med" len="med"/>
-                    </a:lnT>
-                    <a:lnB w="12700" cap="flat" cmpd="sng" algn="ctr">
-                      <a:solidFill>
-                        <a:schemeClr val="bg1"/>
-                      </a:solidFill>
-                      <a:prstDash val="solid"/>
-                      <a:round/>
-                      <a:headEnd type="none" w="med" len="med"/>
-                      <a:tailEnd type="none" w="med" len="med"/>
-                    </a:lnB>
-                    <a:lnTlToBr w="12700" cmpd="sng">
-                      <a:noFill/>
-                      <a:prstDash val="solid"/>
-                    </a:lnTlToBr>
-                    <a:lnBlToTr w="12700" cmpd="sng">
-                      <a:noFill/>
-                      <a:prstDash val="solid"/>
-                    </a:lnBlToTr>
-                    <a:solidFill>
-                      <a:schemeClr val="accent1">
-                        <a:lumMod val="50000"/>
-                      </a:schemeClr>
-                    </a:solidFill>
-                  </a:tcPr>
-                </a:tc>
-                <a:tc>
-                  <a:txBody>
-                    <a:bodyPr/>
-                    <a:lstStyle/>
-                    <a:p>
-                      <a:endParaRPr lang="de-DE" dirty="0"/>
-                    </a:p>
-                  </a:txBody>
-                  <a:tcPr>
-                    <a:lnL w="12700" cap="flat" cmpd="sng" algn="ctr">
-                      <a:solidFill>
-                        <a:schemeClr val="bg1"/>
-                      </a:solidFill>
-                      <a:prstDash val="solid"/>
-                      <a:round/>
-                      <a:headEnd type="none" w="med" len="med"/>
-                      <a:tailEnd type="none" w="med" len="med"/>
-                    </a:lnL>
-                    <a:lnR w="12700" cap="flat" cmpd="sng" algn="ctr">
-                      <a:solidFill>
-                        <a:schemeClr val="bg1"/>
-                      </a:solidFill>
-                      <a:prstDash val="solid"/>
-                      <a:round/>
-                      <a:headEnd type="none" w="med" len="med"/>
-                      <a:tailEnd type="none" w="med" len="med"/>
-                    </a:lnR>
-                    <a:lnT w="12700" cap="flat" cmpd="sng" algn="ctr">
-                      <a:solidFill>
-                        <a:schemeClr val="bg1"/>
-                      </a:solidFill>
-                      <a:prstDash val="solid"/>
-                      <a:round/>
-                      <a:headEnd type="none" w="med" len="med"/>
-                      <a:tailEnd type="none" w="med" len="med"/>
-                    </a:lnT>
-                    <a:lnB w="12700" cap="flat" cmpd="sng" algn="ctr">
-                      <a:solidFill>
-                        <a:schemeClr val="bg1"/>
-                      </a:solidFill>
-                      <a:prstDash val="solid"/>
-                      <a:round/>
-                      <a:headEnd type="none" w="med" len="med"/>
-                      <a:tailEnd type="none" w="med" len="med"/>
-                    </a:lnB>
-                    <a:lnTlToBr w="12700" cmpd="sng">
-                      <a:noFill/>
-                      <a:prstDash val="solid"/>
-                    </a:lnTlToBr>
-                    <a:lnBlToTr w="12700" cmpd="sng">
-                      <a:noFill/>
-                      <a:prstDash val="solid"/>
-                    </a:lnBlToTr>
-                    <a:solidFill>
-                      <a:schemeClr val="accent1">
-                        <a:lumMod val="50000"/>
-                      </a:schemeClr>
-                    </a:solidFill>
-                  </a:tcPr>
-                </a:tc>
-                <a:tc>
-                  <a:txBody>
-                    <a:bodyPr/>
-                    <a:lstStyle/>
-                    <a:p>
-                      <a:endParaRPr lang="de-DE"/>
-                    </a:p>
-                  </a:txBody>
-                  <a:tcPr>
-                    <a:lnL w="12700" cap="flat" cmpd="sng" algn="ctr">
-                      <a:solidFill>
-                        <a:schemeClr val="bg1"/>
-                      </a:solidFill>
-                      <a:prstDash val="solid"/>
-                      <a:round/>
-                      <a:headEnd type="none" w="med" len="med"/>
-                      <a:tailEnd type="none" w="med" len="med"/>
-                    </a:lnL>
-                    <a:lnR w="12700" cap="flat" cmpd="sng" algn="ctr">
-                      <a:solidFill>
-                        <a:schemeClr val="bg1"/>
-                      </a:solidFill>
-                      <a:prstDash val="solid"/>
-                      <a:round/>
-                      <a:headEnd type="none" w="med" len="med"/>
-                      <a:tailEnd type="none" w="med" len="med"/>
-                    </a:lnR>
-                    <a:lnT w="12700" cap="flat" cmpd="sng" algn="ctr">
-                      <a:solidFill>
-                        <a:schemeClr val="bg1"/>
-                      </a:solidFill>
-                      <a:prstDash val="solid"/>
-                      <a:round/>
-                      <a:headEnd type="none" w="med" len="med"/>
-                      <a:tailEnd type="none" w="med" len="med"/>
-                    </a:lnT>
-                    <a:lnB w="12700" cap="flat" cmpd="sng" algn="ctr">
-                      <a:solidFill>
-                        <a:schemeClr val="bg1"/>
-                      </a:solidFill>
-                      <a:prstDash val="solid"/>
-                      <a:round/>
-                      <a:headEnd type="none" w="med" len="med"/>
-                      <a:tailEnd type="none" w="med" len="med"/>
-                    </a:lnB>
-                    <a:lnTlToBr w="12700" cmpd="sng">
-                      <a:noFill/>
-                      <a:prstDash val="solid"/>
-                    </a:lnTlToBr>
-                    <a:lnBlToTr w="12700" cmpd="sng">
-                      <a:noFill/>
-                      <a:prstDash val="solid"/>
-                    </a:lnBlToTr>
-                    <a:solidFill>
-                      <a:schemeClr val="accent1">
-                        <a:lumMod val="50000"/>
-                      </a:schemeClr>
-                    </a:solidFill>
-                  </a:tcPr>
-                </a:tc>
-                <a:tc>
-                  <a:txBody>
-                    <a:bodyPr/>
-                    <a:lstStyle/>
-                    <a:p>
-                      <a:endParaRPr lang="de-DE"/>
-                    </a:p>
-                  </a:txBody>
-                  <a:tcPr>
-                    <a:lnL w="12700" cap="flat" cmpd="sng" algn="ctr">
-                      <a:solidFill>
-                        <a:schemeClr val="bg1"/>
-                      </a:solidFill>
-                      <a:prstDash val="solid"/>
-                      <a:round/>
-                      <a:headEnd type="none" w="med" len="med"/>
-                      <a:tailEnd type="none" w="med" len="med"/>
-                    </a:lnL>
-                    <a:lnR w="12700" cap="flat" cmpd="sng" algn="ctr">
-                      <a:solidFill>
-                        <a:schemeClr val="bg1"/>
-                      </a:solidFill>
-                      <a:prstDash val="solid"/>
-                      <a:round/>
-                      <a:headEnd type="none" w="med" len="med"/>
-                      <a:tailEnd type="none" w="med" len="med"/>
-                    </a:lnR>
-                    <a:lnT w="12700" cap="flat" cmpd="sng" algn="ctr">
-                      <a:solidFill>
-                        <a:schemeClr val="bg1"/>
-                      </a:solidFill>
-                      <a:prstDash val="solid"/>
-                      <a:round/>
-                      <a:headEnd type="none" w="med" len="med"/>
-                      <a:tailEnd type="none" w="med" len="med"/>
-                    </a:lnT>
-                    <a:lnB w="12700" cap="flat" cmpd="sng" algn="ctr">
-                      <a:solidFill>
-                        <a:schemeClr val="bg1"/>
-                      </a:solidFill>
-                      <a:prstDash val="solid"/>
-                      <a:round/>
-                      <a:headEnd type="none" w="med" len="med"/>
-                      <a:tailEnd type="none" w="med" len="med"/>
-                    </a:lnB>
-                    <a:lnTlToBr w="12700" cmpd="sng">
-                      <a:noFill/>
-                      <a:prstDash val="solid"/>
-                    </a:lnTlToBr>
-                    <a:lnBlToTr w="12700" cmpd="sng">
-                      <a:noFill/>
-                      <a:prstDash val="solid"/>
-                    </a:lnBlToTr>
-                    <a:solidFill>
-                      <a:schemeClr val="accent1">
-                        <a:lumMod val="50000"/>
-                      </a:schemeClr>
-                    </a:solidFill>
-                  </a:tcPr>
-                </a:tc>
-                <a:tc>
-                  <a:txBody>
-                    <a:bodyPr/>
-                    <a:lstStyle/>
-                    <a:p>
-                      <a:endParaRPr lang="de-DE" dirty="0"/>
-                    </a:p>
-                  </a:txBody>
-                  <a:tcPr>
-                    <a:lnL w="12700" cap="flat" cmpd="sng" algn="ctr">
-                      <a:solidFill>
-                        <a:schemeClr val="bg1"/>
-                      </a:solidFill>
-                      <a:prstDash val="solid"/>
-                      <a:round/>
-                      <a:headEnd type="none" w="med" len="med"/>
-                      <a:tailEnd type="none" w="med" len="med"/>
-                    </a:lnL>
-                    <a:lnR w="57150" cap="flat" cmpd="sng" algn="ctr">
-                      <a:solidFill>
-                        <a:schemeClr val="bg1"/>
-                      </a:solidFill>
-                      <a:prstDash val="solid"/>
-                      <a:round/>
-                      <a:headEnd type="none" w="med" len="med"/>
-                      <a:tailEnd type="none" w="med" len="med"/>
-                    </a:lnR>
-                    <a:lnT w="12700" cap="flat" cmpd="sng" algn="ctr">
-                      <a:solidFill>
-                        <a:schemeClr val="bg1"/>
-                      </a:solidFill>
-                      <a:prstDash val="solid"/>
-                      <a:round/>
-                      <a:headEnd type="none" w="med" len="med"/>
-                      <a:tailEnd type="none" w="med" len="med"/>
-                    </a:lnT>
-                    <a:lnB w="12700" cap="flat" cmpd="sng" algn="ctr">
-                      <a:solidFill>
-                        <a:schemeClr val="bg1"/>
-                      </a:solidFill>
-                      <a:prstDash val="solid"/>
-                      <a:round/>
-                      <a:headEnd type="none" w="med" len="med"/>
-                      <a:tailEnd type="none" w="med" len="med"/>
-                    </a:lnB>
-                    <a:lnTlToBr w="12700" cmpd="sng">
-                      <a:noFill/>
-                      <a:prstDash val="solid"/>
-                    </a:lnTlToBr>
-                    <a:lnBlToTr w="12700" cmpd="sng">
-                      <a:noFill/>
-                      <a:prstDash val="solid"/>
-                    </a:lnBlToTr>
-                    <a:solidFill>
-                      <a:schemeClr val="accent1">
-                        <a:lumMod val="50000"/>
-                      </a:schemeClr>
-                    </a:solidFill>
-                  </a:tcPr>
-                </a:tc>
-                <a:tc>
-                  <a:txBody>
-                    <a:bodyPr/>
-                    <a:lstStyle/>
-                    <a:p>
-                      <a:endParaRPr lang="de-DE"/>
-                    </a:p>
-                  </a:txBody>
-                  <a:tcPr>
-                    <a:lnL w="57150" cap="flat" cmpd="sng" algn="ctr">
-                      <a:solidFill>
-                        <a:schemeClr val="bg1"/>
-                      </a:solidFill>
-                      <a:prstDash val="solid"/>
-                      <a:round/>
-                      <a:headEnd type="none" w="med" len="med"/>
-                      <a:tailEnd type="none" w="med" len="med"/>
-                    </a:lnL>
-                    <a:lnR w="12700" cap="flat" cmpd="sng" algn="ctr">
-                      <a:solidFill>
-                        <a:schemeClr val="bg1"/>
-                      </a:solidFill>
-                      <a:prstDash val="solid"/>
-                      <a:round/>
-                      <a:headEnd type="none" w="med" len="med"/>
-                      <a:tailEnd type="none" w="med" len="med"/>
-                    </a:lnR>
-                    <a:lnT w="12700" cap="flat" cmpd="sng" algn="ctr">
-                      <a:solidFill>
-                        <a:schemeClr val="bg1"/>
-                      </a:solidFill>
-                      <a:prstDash val="solid"/>
-                      <a:round/>
-                      <a:headEnd type="none" w="med" len="med"/>
-                      <a:tailEnd type="none" w="med" len="med"/>
-                    </a:lnT>
-                    <a:lnB w="12700" cap="flat" cmpd="sng" algn="ctr">
-                      <a:solidFill>
-                        <a:schemeClr val="bg1"/>
-                      </a:solidFill>
-                      <a:prstDash val="solid"/>
-                      <a:round/>
-                      <a:headEnd type="none" w="med" len="med"/>
-                      <a:tailEnd type="none" w="med" len="med"/>
-                    </a:lnB>
-                    <a:lnTlToBr w="12700" cmpd="sng">
-                      <a:noFill/>
-                      <a:prstDash val="solid"/>
-                    </a:lnTlToBr>
-                    <a:lnBlToTr w="12700" cmpd="sng">
-                      <a:noFill/>
-                      <a:prstDash val="solid"/>
-                    </a:lnBlToTr>
-                    <a:solidFill>
-                      <a:schemeClr val="accent1">
-                        <a:lumMod val="50000"/>
-                      </a:schemeClr>
-                    </a:solidFill>
-                  </a:tcPr>
-                </a:tc>
-                <a:tc>
-                  <a:txBody>
-                    <a:bodyPr/>
-                    <a:lstStyle/>
-                    <a:p>
-                      <a:endParaRPr lang="de-DE" dirty="0"/>
-                    </a:p>
-                  </a:txBody>
-                  <a:tcPr>
-                    <a:lnL w="12700" cap="flat" cmpd="sng" algn="ctr">
-                      <a:solidFill>
-                        <a:schemeClr val="bg1"/>
-                      </a:solidFill>
-                      <a:prstDash val="solid"/>
-                      <a:round/>
-                      <a:headEnd type="none" w="med" len="med"/>
-                      <a:tailEnd type="none" w="med" len="med"/>
-                    </a:lnL>
-                    <a:lnR w="57150" cap="flat" cmpd="sng" algn="ctr">
-                      <a:solidFill>
-                        <a:schemeClr val="bg1"/>
-                      </a:solidFill>
-                      <a:prstDash val="solid"/>
-                      <a:round/>
-                      <a:headEnd type="none" w="med" len="med"/>
-                      <a:tailEnd type="none" w="med" len="med"/>
-                    </a:lnR>
-                    <a:lnT w="12700" cap="flat" cmpd="sng" algn="ctr">
-                      <a:solidFill>
-                        <a:schemeClr val="bg1"/>
-                      </a:solidFill>
-                      <a:prstDash val="solid"/>
-                      <a:round/>
-                      <a:headEnd type="none" w="med" len="med"/>
-                      <a:tailEnd type="none" w="med" len="med"/>
-                    </a:lnT>
-                    <a:lnB w="12700" cap="flat" cmpd="sng" algn="ctr">
-                      <a:solidFill>
-                        <a:schemeClr val="bg1"/>
-                      </a:solidFill>
-                      <a:prstDash val="solid"/>
-                      <a:round/>
-                      <a:headEnd type="none" w="med" len="med"/>
-                      <a:tailEnd type="none" w="med" len="med"/>
-                    </a:lnB>
-                    <a:lnTlToBr w="12700" cmpd="sng">
-                      <a:noFill/>
-                      <a:prstDash val="solid"/>
-                    </a:lnTlToBr>
-                    <a:lnBlToTr w="12700" cmpd="sng">
-                      <a:noFill/>
-                      <a:prstDash val="solid"/>
-                    </a:lnBlToTr>
-                    <a:solidFill>
-                      <a:schemeClr val="accent1">
-                        <a:lumMod val="50000"/>
-                      </a:schemeClr>
-                    </a:solidFill>
-                  </a:tcPr>
-                </a:tc>
-                <a:tc>
-                  <a:txBody>
-                    <a:bodyPr/>
-                    <a:lstStyle/>
-                    <a:p>
-                      <a:endParaRPr lang="de-DE" dirty="0"/>
-                    </a:p>
-                  </a:txBody>
-                  <a:tcPr>
-                    <a:lnL w="57150" cap="flat" cmpd="sng" algn="ctr">
-                      <a:solidFill>
-                        <a:schemeClr val="bg1"/>
-                      </a:solidFill>
-                      <a:prstDash val="solid"/>
-                      <a:round/>
-                      <a:headEnd type="none" w="med" len="med"/>
-                      <a:tailEnd type="none" w="med" len="med"/>
-                    </a:lnL>
-                    <a:lnR w="12700" cap="flat" cmpd="sng" algn="ctr">
-                      <a:solidFill>
-                        <a:schemeClr val="bg1"/>
-                      </a:solidFill>
-                      <a:prstDash val="solid"/>
-                      <a:round/>
-                      <a:headEnd type="none" w="med" len="med"/>
-                      <a:tailEnd type="none" w="med" len="med"/>
-                    </a:lnR>
-                    <a:lnT w="12700" cap="flat" cmpd="sng" algn="ctr">
-                      <a:solidFill>
-                        <a:schemeClr val="bg1"/>
-                      </a:solidFill>
-                      <a:prstDash val="solid"/>
-                      <a:round/>
-                      <a:headEnd type="none" w="med" len="med"/>
-                      <a:tailEnd type="none" w="med" len="med"/>
-                    </a:lnT>
-                    <a:lnB w="12700" cap="flat" cmpd="sng" algn="ctr">
-                      <a:solidFill>
-                        <a:schemeClr val="bg1"/>
-                      </a:solidFill>
-                      <a:prstDash val="solid"/>
-                      <a:round/>
-                      <a:headEnd type="none" w="med" len="med"/>
-                      <a:tailEnd type="none" w="med" len="med"/>
-                    </a:lnB>
-                    <a:lnTlToBr w="12700" cmpd="sng">
-                      <a:noFill/>
-                      <a:prstDash val="solid"/>
-                    </a:lnTlToBr>
-                    <a:lnBlToTr w="12700" cmpd="sng">
-                      <a:noFill/>
-                      <a:prstDash val="solid"/>
-                    </a:lnBlToTr>
-                    <a:solidFill>
-                      <a:schemeClr val="accent1">
-                        <a:lumMod val="50000"/>
-                      </a:schemeClr>
-                    </a:solidFill>
-                  </a:tcPr>
-                </a:tc>
-                <a:tc>
-                  <a:txBody>
-                    <a:bodyPr/>
-                    <a:lstStyle/>
-                    <a:p>
-                      <a:endParaRPr lang="de-DE"/>
-                    </a:p>
-                  </a:txBody>
-                  <a:tcPr>
-                    <a:lnL w="12700" cap="flat" cmpd="sng" algn="ctr">
-                      <a:solidFill>
-                        <a:schemeClr val="bg1"/>
-                      </a:solidFill>
-                      <a:prstDash val="solid"/>
-                      <a:round/>
-                      <a:headEnd type="none" w="med" len="med"/>
-                      <a:tailEnd type="none" w="med" len="med"/>
-                    </a:lnL>
-                    <a:lnR w="12700" cap="flat" cmpd="sng" algn="ctr">
-                      <a:solidFill>
-                        <a:schemeClr val="bg1"/>
-                      </a:solidFill>
-                      <a:prstDash val="solid"/>
-                      <a:round/>
-                      <a:headEnd type="none" w="med" len="med"/>
-                      <a:tailEnd type="none" w="med" len="med"/>
-                    </a:lnR>
-                    <a:lnT w="12700" cap="flat" cmpd="sng" algn="ctr">
-                      <a:solidFill>
-                        <a:schemeClr val="bg1"/>
-                      </a:solidFill>
-                      <a:prstDash val="solid"/>
-                      <a:round/>
-                      <a:headEnd type="none" w="med" len="med"/>
-                      <a:tailEnd type="none" w="med" len="med"/>
-                    </a:lnT>
-                    <a:lnB w="12700" cap="flat" cmpd="sng" algn="ctr">
-                      <a:solidFill>
-                        <a:schemeClr val="bg1"/>
-                      </a:solidFill>
-                      <a:prstDash val="solid"/>
-                      <a:round/>
-                      <a:headEnd type="none" w="med" len="med"/>
-                      <a:tailEnd type="none" w="med" len="med"/>
-                    </a:lnB>
-                    <a:lnTlToBr w="12700" cmpd="sng">
-                      <a:noFill/>
-                      <a:prstDash val="solid"/>
-                    </a:lnTlToBr>
-                    <a:lnBlToTr w="12700" cmpd="sng">
-                      <a:noFill/>
-                      <a:prstDash val="solid"/>
-                    </a:lnBlToTr>
-                    <a:solidFill>
-                      <a:schemeClr val="accent1">
-                        <a:lumMod val="50000"/>
-                      </a:schemeClr>
-                    </a:solidFill>
-                  </a:tcPr>
-                </a:tc>
-                <a:tc>
-                  <a:txBody>
-                    <a:bodyPr/>
-                    <a:lstStyle/>
-                    <a:p>
-                      <a:endParaRPr lang="de-DE" dirty="0"/>
-                    </a:p>
-                  </a:txBody>
-                  <a:tcPr>
-                    <a:lnL w="12700" cap="flat" cmpd="sng" algn="ctr">
-                      <a:solidFill>
-                        <a:schemeClr val="bg1"/>
-                      </a:solidFill>
-                      <a:prstDash val="solid"/>
-                      <a:round/>
-                      <a:headEnd type="none" w="med" len="med"/>
-                      <a:tailEnd type="none" w="med" len="med"/>
-                    </a:lnL>
-                    <a:lnR w="57150" cap="flat" cmpd="sng" algn="ctr">
-                      <a:solidFill>
-                        <a:schemeClr val="bg1"/>
-                      </a:solidFill>
-                      <a:prstDash val="solid"/>
-                      <a:round/>
-                      <a:headEnd type="none" w="med" len="med"/>
-                      <a:tailEnd type="none" w="med" len="med"/>
-                    </a:lnR>
-                    <a:lnT w="12700" cap="flat" cmpd="sng" algn="ctr">
-                      <a:solidFill>
-                        <a:schemeClr val="bg1"/>
-                      </a:solidFill>
-                      <a:prstDash val="solid"/>
-                      <a:round/>
-                      <a:headEnd type="none" w="med" len="med"/>
-                      <a:tailEnd type="none" w="med" len="med"/>
-                    </a:lnT>
-                    <a:lnB w="12700" cap="flat" cmpd="sng" algn="ctr">
-                      <a:solidFill>
-                        <a:schemeClr val="bg1"/>
-                      </a:solidFill>
-                      <a:prstDash val="solid"/>
-                      <a:round/>
-                      <a:headEnd type="none" w="med" len="med"/>
-                      <a:tailEnd type="none" w="med" len="med"/>
-                    </a:lnB>
-                    <a:lnTlToBr w="12700" cmpd="sng">
-                      <a:noFill/>
-                      <a:prstDash val="solid"/>
-                    </a:lnTlToBr>
-                    <a:lnBlToTr w="12700" cmpd="sng">
-                      <a:noFill/>
-                      <a:prstDash val="solid"/>
-                    </a:lnBlToTr>
-                    <a:solidFill>
-                      <a:schemeClr val="accent1">
-                        <a:lumMod val="50000"/>
-                      </a:schemeClr>
-                    </a:solidFill>
-                  </a:tcPr>
-                </a:tc>
-                <a:tc>
-                  <a:txBody>
-                    <a:bodyPr/>
-                    <a:lstStyle/>
-                    <a:p>
-                      <a:endParaRPr lang="de-DE" dirty="0"/>
-                    </a:p>
-                  </a:txBody>
-                  <a:tcPr>
-                    <a:lnL w="57150" cap="flat" cmpd="sng" algn="ctr">
-                      <a:solidFill>
-                        <a:schemeClr val="bg1"/>
-                      </a:solidFill>
-                      <a:prstDash val="solid"/>
-                      <a:round/>
-                      <a:headEnd type="none" w="med" len="med"/>
-                      <a:tailEnd type="none" w="med" len="med"/>
-                    </a:lnL>
-                    <a:lnR w="12700" cap="flat" cmpd="sng" algn="ctr">
-                      <a:solidFill>
-                        <a:schemeClr val="bg1"/>
-                      </a:solidFill>
-                      <a:prstDash val="solid"/>
-                      <a:round/>
-                      <a:headEnd type="none" w="med" len="med"/>
-                      <a:tailEnd type="none" w="med" len="med"/>
-                    </a:lnR>
-                    <a:lnT w="12700" cap="flat" cmpd="sng" algn="ctr">
-                      <a:solidFill>
-                        <a:schemeClr val="bg1"/>
-                      </a:solidFill>
-                      <a:prstDash val="solid"/>
-                      <a:round/>
-                      <a:headEnd type="none" w="med" len="med"/>
-                      <a:tailEnd type="none" w="med" len="med"/>
-                    </a:lnT>
-                    <a:lnB w="12700" cap="flat" cmpd="sng" algn="ctr">
-                      <a:solidFill>
-                        <a:schemeClr val="bg1"/>
-                      </a:solidFill>
-                      <a:prstDash val="solid"/>
-                      <a:round/>
-                      <a:headEnd type="none" w="med" len="med"/>
-                      <a:tailEnd type="none" w="med" len="med"/>
-                    </a:lnB>
-                    <a:lnTlToBr w="12700" cmpd="sng">
-                      <a:noFill/>
-                      <a:prstDash val="solid"/>
-                    </a:lnTlToBr>
-                    <a:lnBlToTr w="12700" cmpd="sng">
-                      <a:noFill/>
-                      <a:prstDash val="solid"/>
-                    </a:lnBlToTr>
-                    <a:solidFill>
-                      <a:schemeClr val="accent1">
-                        <a:lumMod val="50000"/>
-                      </a:schemeClr>
-                    </a:solidFill>
-                  </a:tcPr>
-                </a:tc>
-                <a:tc>
-                  <a:txBody>
-                    <a:bodyPr/>
-                    <a:lstStyle/>
-                    <a:p>
-                      <a:endParaRPr lang="de-DE" dirty="0"/>
-                    </a:p>
-                  </a:txBody>
-                  <a:tcPr>
-                    <a:lnL w="12700" cap="flat" cmpd="sng" algn="ctr">
-                      <a:solidFill>
-                        <a:schemeClr val="bg1"/>
-                      </a:solidFill>
-                      <a:prstDash val="solid"/>
-                      <a:round/>
-                      <a:headEnd type="none" w="med" len="med"/>
-                      <a:tailEnd type="none" w="med" len="med"/>
-                    </a:lnL>
-                    <a:lnR w="12700" cap="flat" cmpd="sng" algn="ctr">
-                      <a:solidFill>
-                        <a:schemeClr val="bg1"/>
-                      </a:solidFill>
-                      <a:prstDash val="solid"/>
-                      <a:round/>
-                      <a:headEnd type="none" w="med" len="med"/>
-                      <a:tailEnd type="none" w="med" len="med"/>
-                    </a:lnR>
-                    <a:lnT w="12700" cap="flat" cmpd="sng" algn="ctr">
-                      <a:solidFill>
-                        <a:schemeClr val="bg1"/>
-                      </a:solidFill>
-                      <a:prstDash val="solid"/>
-                      <a:round/>
-                      <a:headEnd type="none" w="med" len="med"/>
-                      <a:tailEnd type="none" w="med" len="med"/>
-                    </a:lnT>
-                    <a:lnB w="12700" cap="flat" cmpd="sng" algn="ctr">
-                      <a:solidFill>
-                        <a:schemeClr val="bg1"/>
-                      </a:solidFill>
-                      <a:prstDash val="solid"/>
-                      <a:round/>
-                      <a:headEnd type="none" w="med" len="med"/>
-                      <a:tailEnd type="none" w="med" len="med"/>
-                    </a:lnB>
-                    <a:lnTlToBr w="12700" cmpd="sng">
-                      <a:noFill/>
-                      <a:prstDash val="solid"/>
-                    </a:lnTlToBr>
-                    <a:lnBlToTr w="12700" cmpd="sng">
-                      <a:noFill/>
-                      <a:prstDash val="solid"/>
-                    </a:lnBlToTr>
-                    <a:solidFill>
-                      <a:schemeClr val="accent1">
-                        <a:lumMod val="50000"/>
-                      </a:schemeClr>
-                    </a:solidFill>
-                  </a:tcPr>
-                </a:tc>
-              </a:tr>
-            </a:tbl>
-          </a:graphicData>
-        </a:graphic>
-      </p:graphicFrame>
-      <p:sp>
-        <p:nvSpPr>
-          <p:cNvPr id="13" name="Abgerundetes Rechteck 12"/>
-          <p:cNvSpPr/>
-          <p:nvPr/>
-        </p:nvSpPr>
-        <p:spPr>
-          <a:xfrm>
-            <a:off x="130339" y="6323835"/>
-            <a:ext cx="8882418" cy="432048"/>
-          </a:xfrm>
-          <a:prstGeom prst="roundRect">
-            <a:avLst/>
-          </a:prstGeom>
-          <a:noFill/>
-          <a:ln w="57150">
-            <a:solidFill>
-              <a:schemeClr val="bg1"/>
-            </a:solidFill>
-          </a:ln>
-        </p:spPr>
-        <p:style>
-          <a:lnRef idx="2">
-            <a:schemeClr val="accent1">
-              <a:shade val="50000"/>
-            </a:schemeClr>
-          </a:lnRef>
-          <a:fillRef idx="1">
-            <a:schemeClr val="accent1"/>
-          </a:fillRef>
-          <a:effectRef idx="0">
-            <a:schemeClr val="accent1"/>
-          </a:effectRef>
-          <a:fontRef idx="minor">
-            <a:schemeClr val="lt1"/>
-          </a:fontRef>
-        </p:style>
-        <p:txBody>
-          <a:bodyPr rtlCol="0" anchor="ctr"/>
-          <a:lstStyle/>
-          <a:p>
-            <a:pPr algn="ctr"/>
-            <a:endParaRPr lang="de-DE"/>
-          </a:p>
-        </p:txBody>
-      </p:sp>
-    </p:spTree>
-    <p:extLst>
-      <p:ext uri="{BB962C8B-B14F-4D97-AF65-F5344CB8AC3E}">
-        <p14:creationId xmlns:p14="http://schemas.microsoft.com/office/powerpoint/2010/main" val="3423066033"/>
-      </p:ext>
-    </p:extLst>
-  </p:cSld>
-  <p:clrMapOvr>
-    <a:masterClrMapping/>
-  </p:clrMapOvr>
-  <p:timing>
-    <p:tnLst>
-      <p:par>
-        <p:cTn id="1" dur="indefinite" restart="never" nodeType="tmRoot"/>
-      </p:par>
-    </p:tnLst>
-  </p:timing>
-</p:sld>
-</file>
-
-<file path=ppt/slides/slide48.xml><?xml version="1.0" encoding="utf-8"?>
-<p:sld xmlns:a="http://schemas.openxmlformats.org/drawingml/2006/main" xmlns:r="http://schemas.openxmlformats.org/officeDocument/2006/relationships" xmlns:p="http://schemas.openxmlformats.org/presentationml/2006/main">
-  <p:cSld>
-    <p:spTree>
-      <p:nvGrpSpPr>
-        <p:cNvPr id="1" name=""/>
-        <p:cNvGrpSpPr/>
-        <p:nvPr/>
-      </p:nvGrpSpPr>
-      <p:grpSpPr>
-        <a:xfrm>
-          <a:off x="0" y="0"/>
-          <a:ext cx="0" cy="0"/>
-          <a:chOff x="0" y="0"/>
-          <a:chExt cx="0" cy="0"/>
-        </a:xfrm>
-      </p:grpSpPr>
-      <p:sp>
-        <p:nvSpPr>
           <p:cNvPr id="7" name="Rechteck 6"/>
           <p:cNvSpPr/>
           <p:nvPr/>
@@ -24486,7 +20224,7 @@
           <a:p>
             <a:fld id="{5C997049-FE7C-4047-B997-0D2E32ABA51F}" type="slidenum">
               <a:rPr lang="de-DE" smtClean="0"/>
-              <a:t>48</a:t>
+              <a:t>46</a:t>
             </a:fld>
             <a:endParaRPr lang="de-DE"/>
           </a:p>
@@ -26470,8 +22208,16 @@
               <a:t>Staat schafft </a:t>
             </a:r>
             <a:r>
-              <a:rPr lang="de-DE" sz="2800" dirty="0" smtClean="0"/>
-              <a:t>Rahmenbedingungen</a:t>
+              <a:rPr lang="de-DE" sz="2800" dirty="0"/>
+              <a:t>Rahmenbedingungen </a:t>
+            </a:r>
+            <a:r>
+              <a:rPr lang="de-DE" sz="1200" dirty="0"/>
+              <a:t>[GERA1 S. 11, 32f</a:t>
+            </a:r>
+            <a:r>
+              <a:rPr lang="de-DE" sz="1200" dirty="0"/>
+              <a:t>]</a:t>
             </a:r>
           </a:p>
           <a:p>
@@ -26538,6 +22284,80 @@
           <a:p>
             <a:pPr algn="ctr"/>
             <a:endParaRPr lang="de-DE"/>
+          </a:p>
+        </p:txBody>
+      </p:sp>
+      <p:pic>
+        <p:nvPicPr>
+          <p:cNvPr id="2050" name="Picture 2" descr="http://d3r6fppmnpquqq.cloudfront.net/e0/ac/i80391392._szw270h3500_.jpg"/>
+          <p:cNvPicPr>
+            <a:picLocks noChangeAspect="1" noChangeArrowheads="1"/>
+          </p:cNvPicPr>
+          <p:nvPr/>
+        </p:nvPicPr>
+        <p:blipFill>
+          <a:blip r:embed="rId3">
+            <a:extLst>
+              <a:ext uri="{28A0092B-C50C-407E-A947-70E740481C1C}">
+                <a14:useLocalDpi xmlns:a14="http://schemas.microsoft.com/office/drawing/2010/main" val="0"/>
+              </a:ext>
+            </a:extLst>
+          </a:blip>
+          <a:srcRect/>
+          <a:stretch>
+            <a:fillRect/>
+          </a:stretch>
+        </p:blipFill>
+        <p:spPr bwMode="auto">
+          <a:xfrm>
+            <a:off x="494109" y="2262633"/>
+            <a:ext cx="2543175" cy="2543175"/>
+          </a:xfrm>
+          <a:prstGeom prst="rect">
+            <a:avLst/>
+          </a:prstGeom>
+          <a:noFill/>
+          <a:extLst>
+            <a:ext uri="{909E8E84-426E-40DD-AFC4-6F175D3DCCD1}">
+              <a14:hiddenFill xmlns:a14="http://schemas.microsoft.com/office/drawing/2010/main">
+                <a:solidFill>
+                  <a:srgbClr val="FFFFFF"/>
+                </a:solidFill>
+              </a14:hiddenFill>
+            </a:ext>
+          </a:extLst>
+        </p:spPr>
+      </p:pic>
+      <p:sp>
+        <p:nvSpPr>
+          <p:cNvPr id="8" name="Rechteck 7"/>
+          <p:cNvSpPr/>
+          <p:nvPr/>
+        </p:nvSpPr>
+        <p:spPr>
+          <a:xfrm>
+            <a:off x="2119897" y="5718383"/>
+            <a:ext cx="1083951" cy="369332"/>
+          </a:xfrm>
+          <a:prstGeom prst="rect">
+            <a:avLst/>
+          </a:prstGeom>
+        </p:spPr>
+        <p:txBody>
+          <a:bodyPr wrap="none">
+            <a:spAutoFit/>
+          </a:bodyPr>
+          <a:lstStyle/>
+          <a:p>
+            <a:r>
+              <a:rPr lang="de-DE" dirty="0"/>
+              <a:t>[</a:t>
+            </a:r>
+            <a:r>
+              <a:rPr lang="de-DE" dirty="0" smtClean="0"/>
+              <a:t>GERAB2]</a:t>
+            </a:r>
+            <a:endParaRPr lang="de-DE" dirty="0"/>
           </a:p>
         </p:txBody>
       </p:sp>
@@ -26675,7 +22495,11 @@
           <a:p>
             <a:r>
               <a:rPr lang="de-DE" sz="2800" dirty="0"/>
-              <a:t>„Kunst und Wissenschaft, Forschung und Lehre sind frei. Die Freiheit der Lehre entbindet nicht von der Treue zur Verfassung.“ [GG Art 5 § 3]</a:t>
+              <a:t>„Kunst und Wissenschaft, Forschung und Lehre sind frei. Die Freiheit der Lehre entbindet nicht von der Treue zur Verfassung.“ [GG Art 5 § 3</a:t>
+            </a:r>
+            <a:r>
+              <a:rPr lang="de-DE" sz="2800" dirty="0" smtClean="0"/>
+              <a:t>] </a:t>
             </a:r>
             <a:endParaRPr lang="de-DE" sz="2800" dirty="0" smtClean="0"/>
           </a:p>
@@ -26792,6 +22616,39 @@
           </a:extLst>
         </p:spPr>
       </p:pic>
+      <p:sp>
+        <p:nvSpPr>
+          <p:cNvPr id="3" name="Rechteck 2"/>
+          <p:cNvSpPr/>
+          <p:nvPr/>
+        </p:nvSpPr>
+        <p:spPr>
+          <a:xfrm>
+            <a:off x="2119897" y="5718383"/>
+            <a:ext cx="1083951" cy="369332"/>
+          </a:xfrm>
+          <a:prstGeom prst="rect">
+            <a:avLst/>
+          </a:prstGeom>
+        </p:spPr>
+        <p:txBody>
+          <a:bodyPr wrap="none">
+            <a:spAutoFit/>
+          </a:bodyPr>
+          <a:lstStyle/>
+          <a:p>
+            <a:r>
+              <a:rPr lang="de-DE" dirty="0"/>
+              <a:t>[</a:t>
+            </a:r>
+            <a:r>
+              <a:rPr lang="de-DE" dirty="0" smtClean="0"/>
+              <a:t>GERAB3]</a:t>
+            </a:r>
+            <a:endParaRPr lang="de-DE" dirty="0"/>
+          </a:p>
+        </p:txBody>
+      </p:sp>
     </p:spTree>
     <p:extLst>
       <p:ext uri="{BB962C8B-B14F-4D97-AF65-F5344CB8AC3E}">
@@ -27014,6 +22871,35 @@
           <a:p>
             <a:pPr algn="ctr"/>
             <a:endParaRPr lang="de-DE"/>
+          </a:p>
+        </p:txBody>
+      </p:sp>
+      <p:sp>
+        <p:nvSpPr>
+          <p:cNvPr id="10" name="Rechteck 9"/>
+          <p:cNvSpPr/>
+          <p:nvPr/>
+        </p:nvSpPr>
+        <p:spPr>
+          <a:xfrm>
+            <a:off x="2116450" y="5714191"/>
+            <a:ext cx="1083951" cy="369332"/>
+          </a:xfrm>
+          <a:prstGeom prst="rect">
+            <a:avLst/>
+          </a:prstGeom>
+        </p:spPr>
+        <p:txBody>
+          <a:bodyPr wrap="none">
+            <a:spAutoFit/>
+          </a:bodyPr>
+          <a:lstStyle/>
+          <a:p>
+            <a:r>
+              <a:rPr lang="de-DE" dirty="0" smtClean="0"/>
+              <a:t>[GERAB4]</a:t>
+            </a:r>
+            <a:endParaRPr lang="de-DE" dirty="0"/>
           </a:p>
         </p:txBody>
       </p:sp>
@@ -27253,6 +23139,39 @@
           <a:p>
             <a:pPr algn="ctr"/>
             <a:endParaRPr lang="de-DE"/>
+          </a:p>
+        </p:txBody>
+      </p:sp>
+      <p:sp>
+        <p:nvSpPr>
+          <p:cNvPr id="8" name="Rechteck 7"/>
+          <p:cNvSpPr/>
+          <p:nvPr/>
+        </p:nvSpPr>
+        <p:spPr>
+          <a:xfrm>
+            <a:off x="2116450" y="5689319"/>
+            <a:ext cx="1083951" cy="369332"/>
+          </a:xfrm>
+          <a:prstGeom prst="rect">
+            <a:avLst/>
+          </a:prstGeom>
+        </p:spPr>
+        <p:txBody>
+          <a:bodyPr wrap="none">
+            <a:spAutoFit/>
+          </a:bodyPr>
+          <a:lstStyle/>
+          <a:p>
+            <a:r>
+              <a:rPr lang="de-DE" dirty="0"/>
+              <a:t>[</a:t>
+            </a:r>
+            <a:r>
+              <a:rPr lang="de-DE" dirty="0" smtClean="0"/>
+              <a:t>GERAB5]</a:t>
+            </a:r>
+            <a:endParaRPr lang="de-DE" dirty="0"/>
           </a:p>
         </p:txBody>
       </p:sp>
